--- a/topics/flutter/docs/LDAMD-1-Flutter Config.pptx
+++ b/topics/flutter/docs/LDAMD-1-Flutter Config.pptx
@@ -254,171 +254,606 @@
     </pc:docChg>
   </pc:docChgLst>
   <pc:docChgLst>
-    <pc:chgData name="Hugo Paula" userId="ea3b8808-58fe-4fde-bf79-dea1702d2ab3" providerId="ADAL" clId="{5C210CDE-3FD8-47E4-980A-E490C1EBC1E8}"/>
-    <pc:docChg chg="undo custSel addSld delSld modSld">
-      <pc:chgData name="Hugo Paula" userId="ea3b8808-58fe-4fde-bf79-dea1702d2ab3" providerId="ADAL" clId="{5C210CDE-3FD8-47E4-980A-E490C1EBC1E8}" dt="2020-04-24T21:10:53.456" v="869" actId="20577"/>
+    <pc:chgData name="Hugo Paula" userId="ea3b8808-58fe-4fde-bf79-dea1702d2ab3" providerId="ADAL" clId="{44247CD9-23E6-4312-A327-57D54A55DCD7}"/>
+    <pc:docChg chg="undo custSel mod addSld modSld sldOrd">
+      <pc:chgData name="Hugo Paula" userId="ea3b8808-58fe-4fde-bf79-dea1702d2ab3" providerId="ADAL" clId="{44247CD9-23E6-4312-A327-57D54A55DCD7}" dt="2019-08-20T04:28:59.376" v="694" actId="6549"/>
       <pc:docMkLst>
         <pc:docMk/>
       </pc:docMkLst>
       <pc:sldChg chg="modSp">
-        <pc:chgData name="Hugo Paula" userId="ea3b8808-58fe-4fde-bf79-dea1702d2ab3" providerId="ADAL" clId="{5C210CDE-3FD8-47E4-980A-E490C1EBC1E8}" dt="2020-04-23T23:29:01.171" v="35" actId="20577"/>
+        <pc:chgData name="Hugo Paula" userId="ea3b8808-58fe-4fde-bf79-dea1702d2ab3" providerId="ADAL" clId="{44247CD9-23E6-4312-A327-57D54A55DCD7}" dt="2019-08-20T04:28:59.376" v="694" actId="6549"/>
         <pc:sldMkLst>
           <pc:docMk/>
           <pc:sldMk cId="1300950052" sldId="256"/>
         </pc:sldMkLst>
         <pc:spChg chg="mod">
-          <ac:chgData name="Hugo Paula" userId="ea3b8808-58fe-4fde-bf79-dea1702d2ab3" providerId="ADAL" clId="{5C210CDE-3FD8-47E4-980A-E490C1EBC1E8}" dt="2020-04-23T23:29:01.171" v="35" actId="20577"/>
+          <ac:chgData name="Hugo Paula" userId="ea3b8808-58fe-4fde-bf79-dea1702d2ab3" providerId="ADAL" clId="{44247CD9-23E6-4312-A327-57D54A55DCD7}" dt="2019-08-20T04:28:59.376" v="694" actId="6549"/>
           <ac:spMkLst>
             <pc:docMk/>
             <pc:sldMk cId="1300950052" sldId="256"/>
             <ac:spMk id="2" creationId="{3143D889-4F7D-41FD-93D4-9F5B7C0110F0}"/>
           </ac:spMkLst>
         </pc:spChg>
+        <pc:spChg chg="mod">
+          <ac:chgData name="Hugo Paula" userId="ea3b8808-58fe-4fde-bf79-dea1702d2ab3" providerId="ADAL" clId="{44247CD9-23E6-4312-A327-57D54A55DCD7}" dt="2019-08-13T18:19:33.069" v="53" actId="20577"/>
+          <ac:spMkLst>
+            <pc:docMk/>
+            <pc:sldMk cId="1300950052" sldId="256"/>
+            <ac:spMk id="3" creationId="{6EA10562-C1F6-41CE-B3B4-FB5A52C68EA4}"/>
+          </ac:spMkLst>
+        </pc:spChg>
       </pc:sldChg>
-      <pc:sldChg chg="modSp">
-        <pc:chgData name="Hugo Paula" userId="ea3b8808-58fe-4fde-bf79-dea1702d2ab3" providerId="ADAL" clId="{5C210CDE-3FD8-47E4-980A-E490C1EBC1E8}" dt="2020-04-24T20:36:56.687" v="311" actId="108"/>
+      <pc:sldChg chg="addSp delSp modSp add modAnim">
+        <pc:chgData name="Hugo Paula" userId="ea3b8808-58fe-4fde-bf79-dea1702d2ab3" providerId="ADAL" clId="{44247CD9-23E6-4312-A327-57D54A55DCD7}" dt="2019-08-13T18:21:59.015" v="64" actId="20577"/>
         <pc:sldMkLst>
           <pc:docMk/>
-          <pc:sldMk cId="2626842338" sldId="257"/>
+          <pc:sldMk cId="3491934599" sldId="257"/>
         </pc:sldMkLst>
         <pc:spChg chg="mod">
-          <ac:chgData name="Hugo Paula" userId="ea3b8808-58fe-4fde-bf79-dea1702d2ab3" providerId="ADAL" clId="{5C210CDE-3FD8-47E4-980A-E490C1EBC1E8}" dt="2020-04-23T23:29:08.875" v="59" actId="20577"/>
-          <ac:spMkLst>
-            <pc:docMk/>
-            <pc:sldMk cId="2626842338" sldId="257"/>
-            <ac:spMk id="2" creationId="{A6F27192-BF2F-441C-94A8-239857913D64}"/>
-          </ac:spMkLst>
-        </pc:spChg>
-        <pc:spChg chg="mod">
-          <ac:chgData name="Hugo Paula" userId="ea3b8808-58fe-4fde-bf79-dea1702d2ab3" providerId="ADAL" clId="{5C210CDE-3FD8-47E4-980A-E490C1EBC1E8}" dt="2020-04-24T20:36:56.687" v="311" actId="108"/>
-          <ac:spMkLst>
-            <pc:docMk/>
-            <pc:sldMk cId="2626842338" sldId="257"/>
-            <ac:spMk id="3" creationId="{9044EE10-804B-4BAA-8038-D9B6873A7950}"/>
-          </ac:spMkLst>
-        </pc:spChg>
+          <ac:chgData name="Hugo Paula" userId="ea3b8808-58fe-4fde-bf79-dea1702d2ab3" providerId="ADAL" clId="{44247CD9-23E6-4312-A327-57D54A55DCD7}" dt="2019-08-13T18:21:59.015" v="64" actId="20577"/>
+          <ac:spMkLst>
+            <pc:docMk/>
+            <pc:sldMk cId="3491934599" sldId="257"/>
+            <ac:spMk id="2" creationId="{1E8D7354-E925-4864-B71E-200F8E12217E}"/>
+          </ac:spMkLst>
+        </pc:spChg>
+        <pc:spChg chg="del">
+          <ac:chgData name="Hugo Paula" userId="ea3b8808-58fe-4fde-bf79-dea1702d2ab3" providerId="ADAL" clId="{44247CD9-23E6-4312-A327-57D54A55DCD7}" dt="2019-08-13T18:19:48.526" v="55"/>
+          <ac:spMkLst>
+            <pc:docMk/>
+            <pc:sldMk cId="3491934599" sldId="257"/>
+            <ac:spMk id="3" creationId="{0547CDF6-AEB3-4A46-A9E4-E132B791A0F9}"/>
+          </ac:spMkLst>
+        </pc:spChg>
+        <pc:picChg chg="add mod">
+          <ac:chgData name="Hugo Paula" userId="ea3b8808-58fe-4fde-bf79-dea1702d2ab3" providerId="ADAL" clId="{44247CD9-23E6-4312-A327-57D54A55DCD7}" dt="2019-08-13T18:19:48.526" v="55"/>
+          <ac:picMkLst>
+            <pc:docMk/>
+            <pc:sldMk cId="3491934599" sldId="257"/>
+            <ac:picMk id="4" creationId="{5ED835FA-59F9-4A10-89A0-30A5F78F6F47}"/>
+          </ac:picMkLst>
+        </pc:picChg>
       </pc:sldChg>
-      <pc:sldChg chg="del">
-        <pc:chgData name="Hugo Paula" userId="ea3b8808-58fe-4fde-bf79-dea1702d2ab3" providerId="ADAL" clId="{5C210CDE-3FD8-47E4-980A-E490C1EBC1E8}" dt="2020-04-24T20:29:50.023" v="310" actId="2696"/>
+      <pc:sldChg chg="addSp delSp modSp add modAnim">
+        <pc:chgData name="Hugo Paula" userId="ea3b8808-58fe-4fde-bf79-dea1702d2ab3" providerId="ADAL" clId="{44247CD9-23E6-4312-A327-57D54A55DCD7}" dt="2019-08-13T18:25:08.454" v="70" actId="27636"/>
         <pc:sldMkLst>
           <pc:docMk/>
-          <pc:sldMk cId="373583650" sldId="258"/>
+          <pc:sldMk cId="2665930106" sldId="258"/>
         </pc:sldMkLst>
+        <pc:spChg chg="mod">
+          <ac:chgData name="Hugo Paula" userId="ea3b8808-58fe-4fde-bf79-dea1702d2ab3" providerId="ADAL" clId="{44247CD9-23E6-4312-A327-57D54A55DCD7}" dt="2019-08-13T18:25:08.454" v="70" actId="27636"/>
+          <ac:spMkLst>
+            <pc:docMk/>
+            <pc:sldMk cId="2665930106" sldId="258"/>
+            <ac:spMk id="2" creationId="{AF7DFD24-5F25-49F6-B080-AD44798AE976}"/>
+          </ac:spMkLst>
+        </pc:spChg>
+        <pc:spChg chg="del">
+          <ac:chgData name="Hugo Paula" userId="ea3b8808-58fe-4fde-bf79-dea1702d2ab3" providerId="ADAL" clId="{44247CD9-23E6-4312-A327-57D54A55DCD7}" dt="2019-08-13T18:24:31.784" v="66"/>
+          <ac:spMkLst>
+            <pc:docMk/>
+            <pc:sldMk cId="2665930106" sldId="258"/>
+            <ac:spMk id="3" creationId="{9EC3076D-E93A-4B0B-BD26-7AD516F084A5}"/>
+          </ac:spMkLst>
+        </pc:spChg>
+        <pc:picChg chg="add mod">
+          <ac:chgData name="Hugo Paula" userId="ea3b8808-58fe-4fde-bf79-dea1702d2ab3" providerId="ADAL" clId="{44247CD9-23E6-4312-A327-57D54A55DCD7}" dt="2019-08-13T18:24:31.784" v="66"/>
+          <ac:picMkLst>
+            <pc:docMk/>
+            <pc:sldMk cId="2665930106" sldId="258"/>
+            <ac:picMk id="4" creationId="{BC327DF7-68E7-4B3C-AA72-8B0D8DBE85D7}"/>
+          </ac:picMkLst>
+        </pc:picChg>
+      </pc:sldChg>
+      <pc:sldChg chg="addSp delSp modSp add ord modAnim">
+        <pc:chgData name="Hugo Paula" userId="ea3b8808-58fe-4fde-bf79-dea1702d2ab3" providerId="ADAL" clId="{44247CD9-23E6-4312-A327-57D54A55DCD7}" dt="2019-08-13T18:45:08.221" v="190"/>
+        <pc:sldMkLst>
+          <pc:docMk/>
+          <pc:sldMk cId="2445231288" sldId="259"/>
+        </pc:sldMkLst>
+        <pc:spChg chg="mod">
+          <ac:chgData name="Hugo Paula" userId="ea3b8808-58fe-4fde-bf79-dea1702d2ab3" providerId="ADAL" clId="{44247CD9-23E6-4312-A327-57D54A55DCD7}" dt="2019-08-13T18:26:47.354" v="74" actId="20577"/>
+          <ac:spMkLst>
+            <pc:docMk/>
+            <pc:sldMk cId="2445231288" sldId="259"/>
+            <ac:spMk id="2" creationId="{2E679DF9-824B-4EE3-810F-AC09142D0515}"/>
+          </ac:spMkLst>
+        </pc:spChg>
+        <pc:spChg chg="del">
+          <ac:chgData name="Hugo Paula" userId="ea3b8808-58fe-4fde-bf79-dea1702d2ab3" providerId="ADAL" clId="{44247CD9-23E6-4312-A327-57D54A55DCD7}" dt="2019-08-13T18:26:36.624" v="72"/>
+          <ac:spMkLst>
+            <pc:docMk/>
+            <pc:sldMk cId="2445231288" sldId="259"/>
+            <ac:spMk id="3" creationId="{55CBF48B-9CEB-449A-B65E-3E1900AB8F6C}"/>
+          </ac:spMkLst>
+        </pc:spChg>
+        <pc:picChg chg="add mod">
+          <ac:chgData name="Hugo Paula" userId="ea3b8808-58fe-4fde-bf79-dea1702d2ab3" providerId="ADAL" clId="{44247CD9-23E6-4312-A327-57D54A55DCD7}" dt="2019-08-13T18:26:36.624" v="72"/>
+          <ac:picMkLst>
+            <pc:docMk/>
+            <pc:sldMk cId="2445231288" sldId="259"/>
+            <ac:picMk id="4" creationId="{C1F7EA7E-BABC-4ED3-BB9D-3D05EF09B042}"/>
+          </ac:picMkLst>
+        </pc:picChg>
+      </pc:sldChg>
+      <pc:sldChg chg="addSp delSp modSp add ord modAnim">
+        <pc:chgData name="Hugo Paula" userId="ea3b8808-58fe-4fde-bf79-dea1702d2ab3" providerId="ADAL" clId="{44247CD9-23E6-4312-A327-57D54A55DCD7}" dt="2019-08-13T18:45:15.765" v="192"/>
+        <pc:sldMkLst>
+          <pc:docMk/>
+          <pc:sldMk cId="4147951829" sldId="260"/>
+        </pc:sldMkLst>
+        <pc:spChg chg="mod">
+          <ac:chgData name="Hugo Paula" userId="ea3b8808-58fe-4fde-bf79-dea1702d2ab3" providerId="ADAL" clId="{44247CD9-23E6-4312-A327-57D54A55DCD7}" dt="2019-08-13T18:29:15.303" v="82" actId="6549"/>
+          <ac:spMkLst>
+            <pc:docMk/>
+            <pc:sldMk cId="4147951829" sldId="260"/>
+            <ac:spMk id="2" creationId="{53B6117B-1A6D-470A-AD24-BE5090A55050}"/>
+          </ac:spMkLst>
+        </pc:spChg>
+        <pc:spChg chg="del">
+          <ac:chgData name="Hugo Paula" userId="ea3b8808-58fe-4fde-bf79-dea1702d2ab3" providerId="ADAL" clId="{44247CD9-23E6-4312-A327-57D54A55DCD7}" dt="2019-08-13T18:28:18.254" v="76"/>
+          <ac:spMkLst>
+            <pc:docMk/>
+            <pc:sldMk cId="4147951829" sldId="260"/>
+            <ac:spMk id="3" creationId="{E8075CDE-44BB-42E5-8CE0-2E9CC4E3C822}"/>
+          </ac:spMkLst>
+        </pc:spChg>
+        <pc:picChg chg="add mod">
+          <ac:chgData name="Hugo Paula" userId="ea3b8808-58fe-4fde-bf79-dea1702d2ab3" providerId="ADAL" clId="{44247CD9-23E6-4312-A327-57D54A55DCD7}" dt="2019-08-13T18:28:18.254" v="76"/>
+          <ac:picMkLst>
+            <pc:docMk/>
+            <pc:sldMk cId="4147951829" sldId="260"/>
+            <ac:picMk id="4" creationId="{C026BC03-1976-4D10-BB95-15C24D66F6C9}"/>
+          </ac:picMkLst>
+        </pc:picChg>
+      </pc:sldChg>
+      <pc:sldChg chg="addSp delSp modSp add ord modAnim">
+        <pc:chgData name="Hugo Paula" userId="ea3b8808-58fe-4fde-bf79-dea1702d2ab3" providerId="ADAL" clId="{44247CD9-23E6-4312-A327-57D54A55DCD7}" dt="2019-08-13T18:45:22.276" v="193"/>
+        <pc:sldMkLst>
+          <pc:docMk/>
+          <pc:sldMk cId="1652398062" sldId="261"/>
+        </pc:sldMkLst>
+        <pc:spChg chg="mod">
+          <ac:chgData name="Hugo Paula" userId="ea3b8808-58fe-4fde-bf79-dea1702d2ab3" providerId="ADAL" clId="{44247CD9-23E6-4312-A327-57D54A55DCD7}" dt="2019-08-13T18:30:36.632" v="88" actId="27636"/>
+          <ac:spMkLst>
+            <pc:docMk/>
+            <pc:sldMk cId="1652398062" sldId="261"/>
+            <ac:spMk id="2" creationId="{64ECBD7B-B04A-4E64-9A1B-CC930C1A6F87}"/>
+          </ac:spMkLst>
+        </pc:spChg>
+        <pc:spChg chg="del">
+          <ac:chgData name="Hugo Paula" userId="ea3b8808-58fe-4fde-bf79-dea1702d2ab3" providerId="ADAL" clId="{44247CD9-23E6-4312-A327-57D54A55DCD7}" dt="2019-08-13T18:30:23.873" v="84"/>
+          <ac:spMkLst>
+            <pc:docMk/>
+            <pc:sldMk cId="1652398062" sldId="261"/>
+            <ac:spMk id="3" creationId="{A507B903-3AFA-4F0B-853D-D993AF5FDBE9}"/>
+          </ac:spMkLst>
+        </pc:spChg>
+        <pc:picChg chg="add mod">
+          <ac:chgData name="Hugo Paula" userId="ea3b8808-58fe-4fde-bf79-dea1702d2ab3" providerId="ADAL" clId="{44247CD9-23E6-4312-A327-57D54A55DCD7}" dt="2019-08-13T18:30:23.873" v="84"/>
+          <ac:picMkLst>
+            <pc:docMk/>
+            <pc:sldMk cId="1652398062" sldId="261"/>
+            <ac:picMk id="4" creationId="{F4429ED3-D2F9-44D6-8F2F-5E6C2E960678}"/>
+          </ac:picMkLst>
+        </pc:picChg>
+      </pc:sldChg>
+      <pc:sldChg chg="addSp delSp modSp add mod setBg setClrOvrMap">
+        <pc:chgData name="Hugo Paula" userId="ea3b8808-58fe-4fde-bf79-dea1702d2ab3" providerId="ADAL" clId="{44247CD9-23E6-4312-A327-57D54A55DCD7}" dt="2019-08-13T18:44:02.598" v="185" actId="26606"/>
+        <pc:sldMkLst>
+          <pc:docMk/>
+          <pc:sldMk cId="721748103" sldId="262"/>
+        </pc:sldMkLst>
+        <pc:spChg chg="mod ord">
+          <ac:chgData name="Hugo Paula" userId="ea3b8808-58fe-4fde-bf79-dea1702d2ab3" providerId="ADAL" clId="{44247CD9-23E6-4312-A327-57D54A55DCD7}" dt="2019-08-13T18:44:02.598" v="185" actId="26606"/>
+          <ac:spMkLst>
+            <pc:docMk/>
+            <pc:sldMk cId="721748103" sldId="262"/>
+            <ac:spMk id="2" creationId="{AD5EF0CA-9413-4EC8-83E8-DF9C9CC70BFC}"/>
+          </ac:spMkLst>
+        </pc:spChg>
+        <pc:spChg chg="del mod">
+          <ac:chgData name="Hugo Paula" userId="ea3b8808-58fe-4fde-bf79-dea1702d2ab3" providerId="ADAL" clId="{44247CD9-23E6-4312-A327-57D54A55DCD7}" dt="2019-08-13T18:41:24.494" v="127" actId="478"/>
+          <ac:spMkLst>
+            <pc:docMk/>
+            <pc:sldMk cId="721748103" sldId="262"/>
+            <ac:spMk id="3" creationId="{B474FC07-9AB9-4088-BDD9-20FC3F48EB66}"/>
+          </ac:spMkLst>
+        </pc:spChg>
+        <pc:spChg chg="add del mod">
+          <ac:chgData name="Hugo Paula" userId="ea3b8808-58fe-4fde-bf79-dea1702d2ab3" providerId="ADAL" clId="{44247CD9-23E6-4312-A327-57D54A55DCD7}" dt="2019-08-13T18:41:25.902" v="128" actId="478"/>
+          <ac:spMkLst>
+            <pc:docMk/>
+            <pc:sldMk cId="721748103" sldId="262"/>
+            <ac:spMk id="5" creationId="{93B463E7-F802-4A3C-85E3-64116F4CBECE}"/>
+          </ac:spMkLst>
+        </pc:spChg>
+        <pc:spChg chg="add del">
+          <ac:chgData name="Hugo Paula" userId="ea3b8808-58fe-4fde-bf79-dea1702d2ab3" providerId="ADAL" clId="{44247CD9-23E6-4312-A327-57D54A55DCD7}" dt="2019-08-13T18:41:46.622" v="130" actId="26606"/>
+          <ac:spMkLst>
+            <pc:docMk/>
+            <pc:sldMk cId="721748103" sldId="262"/>
+            <ac:spMk id="7" creationId="{23962611-DFD5-4092-AAFD-559E3DFCE2C9}"/>
+          </ac:spMkLst>
+        </pc:spChg>
+        <pc:spChg chg="add del">
+          <ac:chgData name="Hugo Paula" userId="ea3b8808-58fe-4fde-bf79-dea1702d2ab3" providerId="ADAL" clId="{44247CD9-23E6-4312-A327-57D54A55DCD7}" dt="2019-08-13T18:43:50.524" v="172" actId="26606"/>
+          <ac:spMkLst>
+            <pc:docMk/>
+            <pc:sldMk cId="721748103" sldId="262"/>
+            <ac:spMk id="13" creationId="{71B2258F-86CA-4D4D-8270-BC05FCDEBFB3}"/>
+          </ac:spMkLst>
+        </pc:spChg>
+        <pc:spChg chg="add del">
+          <ac:chgData name="Hugo Paula" userId="ea3b8808-58fe-4fde-bf79-dea1702d2ab3" providerId="ADAL" clId="{44247CD9-23E6-4312-A327-57D54A55DCD7}" dt="2019-08-13T18:43:52.927" v="174" actId="26606"/>
+          <ac:spMkLst>
+            <pc:docMk/>
+            <pc:sldMk cId="721748103" sldId="262"/>
+            <ac:spMk id="16" creationId="{87CC2527-562A-4F69-B487-4371E5B243E7}"/>
+          </ac:spMkLst>
+        </pc:spChg>
+        <pc:spChg chg="add del">
+          <ac:chgData name="Hugo Paula" userId="ea3b8808-58fe-4fde-bf79-dea1702d2ab3" providerId="ADAL" clId="{44247CD9-23E6-4312-A327-57D54A55DCD7}" dt="2019-08-13T18:43:54.646" v="176" actId="26606"/>
+          <ac:spMkLst>
+            <pc:docMk/>
+            <pc:sldMk cId="721748103" sldId="262"/>
+            <ac:spMk id="18" creationId="{37C89E4B-3C9F-44B9-8B86-D9E3D112D8EC}"/>
+          </ac:spMkLst>
+        </pc:spChg>
+        <pc:spChg chg="add del">
+          <ac:chgData name="Hugo Paula" userId="ea3b8808-58fe-4fde-bf79-dea1702d2ab3" providerId="ADAL" clId="{44247CD9-23E6-4312-A327-57D54A55DCD7}" dt="2019-08-13T18:43:55.767" v="178" actId="26606"/>
+          <ac:spMkLst>
+            <pc:docMk/>
+            <pc:sldMk cId="721748103" sldId="262"/>
+            <ac:spMk id="21" creationId="{1DB7C82F-AB7E-4F0C-B829-FA1B9C415180}"/>
+          </ac:spMkLst>
+        </pc:spChg>
+        <pc:spChg chg="add del">
+          <ac:chgData name="Hugo Paula" userId="ea3b8808-58fe-4fde-bf79-dea1702d2ab3" providerId="ADAL" clId="{44247CD9-23E6-4312-A327-57D54A55DCD7}" dt="2019-08-13T18:43:57.287" v="180" actId="26606"/>
+          <ac:spMkLst>
+            <pc:docMk/>
+            <pc:sldMk cId="721748103" sldId="262"/>
+            <ac:spMk id="23" creationId="{37C89E4B-3C9F-44B9-8B86-D9E3D112D8EC}"/>
+          </ac:spMkLst>
+        </pc:spChg>
+        <pc:spChg chg="add del">
+          <ac:chgData name="Hugo Paula" userId="ea3b8808-58fe-4fde-bf79-dea1702d2ab3" providerId="ADAL" clId="{44247CD9-23E6-4312-A327-57D54A55DCD7}" dt="2019-08-13T18:43:58.687" v="182" actId="26606"/>
+          <ac:spMkLst>
+            <pc:docMk/>
+            <pc:sldMk cId="721748103" sldId="262"/>
+            <ac:spMk id="27" creationId="{E20EB187-900F-4AF5-813B-101456D9FD39}"/>
+          </ac:spMkLst>
+        </pc:spChg>
+        <pc:spChg chg="add del">
+          <ac:chgData name="Hugo Paula" userId="ea3b8808-58fe-4fde-bf79-dea1702d2ab3" providerId="ADAL" clId="{44247CD9-23E6-4312-A327-57D54A55DCD7}" dt="2019-08-13T18:44:02.585" v="184" actId="26606"/>
+          <ac:spMkLst>
+            <pc:docMk/>
+            <pc:sldMk cId="721748103" sldId="262"/>
+            <ac:spMk id="30" creationId="{71B2258F-86CA-4D4D-8270-BC05FCDEBFB3}"/>
+          </ac:spMkLst>
+        </pc:spChg>
+        <pc:spChg chg="add">
+          <ac:chgData name="Hugo Paula" userId="ea3b8808-58fe-4fde-bf79-dea1702d2ab3" providerId="ADAL" clId="{44247CD9-23E6-4312-A327-57D54A55DCD7}" dt="2019-08-13T18:44:02.598" v="185" actId="26606"/>
+          <ac:spMkLst>
+            <pc:docMk/>
+            <pc:sldMk cId="721748103" sldId="262"/>
+            <ac:spMk id="32" creationId="{71B2258F-86CA-4D4D-8270-BC05FCDEBFB3}"/>
+          </ac:spMkLst>
+        </pc:spChg>
+        <pc:picChg chg="add mod">
+          <ac:chgData name="Hugo Paula" userId="ea3b8808-58fe-4fde-bf79-dea1702d2ab3" providerId="ADAL" clId="{44247CD9-23E6-4312-A327-57D54A55DCD7}" dt="2019-08-13T18:44:02.598" v="185" actId="26606"/>
+          <ac:picMkLst>
+            <pc:docMk/>
+            <pc:sldMk cId="721748103" sldId="262"/>
+            <ac:picMk id="8" creationId="{D95B943D-9346-4A21-8557-4CEC3383C120}"/>
+          </ac:picMkLst>
+        </pc:picChg>
+        <pc:picChg chg="add del">
+          <ac:chgData name="Hugo Paula" userId="ea3b8808-58fe-4fde-bf79-dea1702d2ab3" providerId="ADAL" clId="{44247CD9-23E6-4312-A327-57D54A55DCD7}" dt="2019-08-13T18:41:46.622" v="130" actId="26606"/>
+          <ac:picMkLst>
+            <pc:docMk/>
+            <pc:sldMk cId="721748103" sldId="262"/>
+            <ac:picMk id="9" creationId="{2270F1FA-0425-408F-9861-80BF5AFB276D}"/>
+          </ac:picMkLst>
+        </pc:picChg>
+        <pc:cxnChg chg="add del">
+          <ac:chgData name="Hugo Paula" userId="ea3b8808-58fe-4fde-bf79-dea1702d2ab3" providerId="ADAL" clId="{44247CD9-23E6-4312-A327-57D54A55DCD7}" dt="2019-08-13T18:43:52.927" v="174" actId="26606"/>
+          <ac:cxnSpMkLst>
+            <pc:docMk/>
+            <pc:sldMk cId="721748103" sldId="262"/>
+            <ac:cxnSpMk id="15" creationId="{BCDAEC91-5BCE-4B55-9CC0-43EF94CB734B}"/>
+          </ac:cxnSpMkLst>
+        </pc:cxnChg>
+        <pc:cxnChg chg="add del">
+          <ac:chgData name="Hugo Paula" userId="ea3b8808-58fe-4fde-bf79-dea1702d2ab3" providerId="ADAL" clId="{44247CD9-23E6-4312-A327-57D54A55DCD7}" dt="2019-08-13T18:43:54.646" v="176" actId="26606"/>
+          <ac:cxnSpMkLst>
+            <pc:docMk/>
+            <pc:sldMk cId="721748103" sldId="262"/>
+            <ac:cxnSpMk id="17" creationId="{D891E407-403B-4764-86C9-33A56D3BCAA3}"/>
+          </ac:cxnSpMkLst>
+        </pc:cxnChg>
+        <pc:cxnChg chg="add del">
+          <ac:chgData name="Hugo Paula" userId="ea3b8808-58fe-4fde-bf79-dea1702d2ab3" providerId="ADAL" clId="{44247CD9-23E6-4312-A327-57D54A55DCD7}" dt="2019-08-13T18:43:54.646" v="176" actId="26606"/>
+          <ac:cxnSpMkLst>
+            <pc:docMk/>
+            <pc:sldMk cId="721748103" sldId="262"/>
+            <ac:cxnSpMk id="19" creationId="{AA2EAA10-076F-46BD-8F0F-B9A2FB77A85C}"/>
+          </ac:cxnSpMkLst>
+        </pc:cxnChg>
+        <pc:cxnChg chg="add del">
+          <ac:chgData name="Hugo Paula" userId="ea3b8808-58fe-4fde-bf79-dea1702d2ab3" providerId="ADAL" clId="{44247CD9-23E6-4312-A327-57D54A55DCD7}" dt="2019-08-13T18:43:57.287" v="180" actId="26606"/>
+          <ac:cxnSpMkLst>
+            <pc:docMk/>
+            <pc:sldMk cId="721748103" sldId="262"/>
+            <ac:cxnSpMk id="24" creationId="{AA2EAA10-076F-46BD-8F0F-B9A2FB77A85C}"/>
+          </ac:cxnSpMkLst>
+        </pc:cxnChg>
+        <pc:cxnChg chg="add del">
+          <ac:chgData name="Hugo Paula" userId="ea3b8808-58fe-4fde-bf79-dea1702d2ab3" providerId="ADAL" clId="{44247CD9-23E6-4312-A327-57D54A55DCD7}" dt="2019-08-13T18:43:57.287" v="180" actId="26606"/>
+          <ac:cxnSpMkLst>
+            <pc:docMk/>
+            <pc:sldMk cId="721748103" sldId="262"/>
+            <ac:cxnSpMk id="25" creationId="{D891E407-403B-4764-86C9-33A56D3BCAA3}"/>
+          </ac:cxnSpMkLst>
+        </pc:cxnChg>
+        <pc:cxnChg chg="add del">
+          <ac:chgData name="Hugo Paula" userId="ea3b8808-58fe-4fde-bf79-dea1702d2ab3" providerId="ADAL" clId="{44247CD9-23E6-4312-A327-57D54A55DCD7}" dt="2019-08-13T18:43:58.687" v="182" actId="26606"/>
+          <ac:cxnSpMkLst>
+            <pc:docMk/>
+            <pc:sldMk cId="721748103" sldId="262"/>
+            <ac:cxnSpMk id="28" creationId="{624D17C8-E9C2-48A4-AA36-D7048A6CCC41}"/>
+          </ac:cxnSpMkLst>
+        </pc:cxnChg>
+      </pc:sldChg>
+      <pc:sldChg chg="addSp delSp modSp add mod setBg setClrOvrMap">
+        <pc:chgData name="Hugo Paula" userId="ea3b8808-58fe-4fde-bf79-dea1702d2ab3" providerId="ADAL" clId="{44247CD9-23E6-4312-A327-57D54A55DCD7}" dt="2019-08-13T18:48:35.638" v="237" actId="1037"/>
+        <pc:sldMkLst>
+          <pc:docMk/>
+          <pc:sldMk cId="334346411" sldId="263"/>
+        </pc:sldMkLst>
+        <pc:spChg chg="mod ord">
+          <ac:chgData name="Hugo Paula" userId="ea3b8808-58fe-4fde-bf79-dea1702d2ab3" providerId="ADAL" clId="{44247CD9-23E6-4312-A327-57D54A55DCD7}" dt="2019-08-13T18:48:11.499" v="205" actId="26606"/>
+          <ac:spMkLst>
+            <pc:docMk/>
+            <pc:sldMk cId="334346411" sldId="263"/>
+            <ac:spMk id="2" creationId="{739D779A-3F76-4632-856C-111CF9EEE040}"/>
+          </ac:spMkLst>
+        </pc:spChg>
+        <pc:spChg chg="add del">
+          <ac:chgData name="Hugo Paula" userId="ea3b8808-58fe-4fde-bf79-dea1702d2ab3" providerId="ADAL" clId="{44247CD9-23E6-4312-A327-57D54A55DCD7}" dt="2019-08-13T18:48:07.738" v="202"/>
+          <ac:spMkLst>
+            <pc:docMk/>
+            <pc:sldMk cId="334346411" sldId="263"/>
+            <ac:spMk id="3" creationId="{C8AB155E-4BA4-40F4-A119-13418DD4220B}"/>
+          </ac:spMkLst>
+        </pc:spChg>
+        <pc:spChg chg="add del mod">
+          <ac:chgData name="Hugo Paula" userId="ea3b8808-58fe-4fde-bf79-dea1702d2ab3" providerId="ADAL" clId="{44247CD9-23E6-4312-A327-57D54A55DCD7}" dt="2019-08-13T18:46:59.391" v="201" actId="931"/>
+          <ac:spMkLst>
+            <pc:docMk/>
+            <pc:sldMk cId="334346411" sldId="263"/>
+            <ac:spMk id="6" creationId="{05BA2D9D-076A-483C-9605-0EE9EEA3A8E2}"/>
+          </ac:spMkLst>
+        </pc:spChg>
+        <pc:spChg chg="add mod">
+          <ac:chgData name="Hugo Paula" userId="ea3b8808-58fe-4fde-bf79-dea1702d2ab3" providerId="ADAL" clId="{44247CD9-23E6-4312-A327-57D54A55DCD7}" dt="2019-08-13T18:48:35.638" v="237" actId="1037"/>
+          <ac:spMkLst>
+            <pc:docMk/>
+            <pc:sldMk cId="334346411" sldId="263"/>
+            <ac:spMk id="9" creationId="{D71D005A-4C5B-4FAD-8CA7-2D2E61B1F3E7}"/>
+          </ac:spMkLst>
+        </pc:spChg>
+        <pc:spChg chg="add">
+          <ac:chgData name="Hugo Paula" userId="ea3b8808-58fe-4fde-bf79-dea1702d2ab3" providerId="ADAL" clId="{44247CD9-23E6-4312-A327-57D54A55DCD7}" dt="2019-08-13T18:48:11.499" v="205" actId="26606"/>
+          <ac:spMkLst>
+            <pc:docMk/>
+            <pc:sldMk cId="334346411" sldId="263"/>
+            <ac:spMk id="13" creationId="{71B2258F-86CA-4D4D-8270-BC05FCDEBFB3}"/>
+          </ac:spMkLst>
+        </pc:spChg>
+        <pc:picChg chg="add del mod">
+          <ac:chgData name="Hugo Paula" userId="ea3b8808-58fe-4fde-bf79-dea1702d2ab3" providerId="ADAL" clId="{44247CD9-23E6-4312-A327-57D54A55DCD7}" dt="2019-08-13T18:46:59.391" v="201" actId="931"/>
+          <ac:picMkLst>
+            <pc:docMk/>
+            <pc:sldMk cId="334346411" sldId="263"/>
+            <ac:picMk id="5" creationId="{722E7914-D4A4-428C-AF80-59D84EE88EA8}"/>
+          </ac:picMkLst>
+        </pc:picChg>
+        <pc:picChg chg="add mod">
+          <ac:chgData name="Hugo Paula" userId="ea3b8808-58fe-4fde-bf79-dea1702d2ab3" providerId="ADAL" clId="{44247CD9-23E6-4312-A327-57D54A55DCD7}" dt="2019-08-13T18:48:11.499" v="205" actId="26606"/>
+          <ac:picMkLst>
+            <pc:docMk/>
+            <pc:sldMk cId="334346411" sldId="263"/>
+            <ac:picMk id="8" creationId="{69AD114F-2A52-4E67-8AA5-83CDA098121E}"/>
+          </ac:picMkLst>
+        </pc:picChg>
+      </pc:sldChg>
+      <pc:sldChg chg="addSp delSp modSp add mod setBg setClrOvrMap">
+        <pc:chgData name="Hugo Paula" userId="ea3b8808-58fe-4fde-bf79-dea1702d2ab3" providerId="ADAL" clId="{44247CD9-23E6-4312-A327-57D54A55DCD7}" dt="2019-08-13T18:59:28.569" v="343" actId="26606"/>
+        <pc:sldMkLst>
+          <pc:docMk/>
+          <pc:sldMk cId="3081371082" sldId="264"/>
+        </pc:sldMkLst>
+        <pc:spChg chg="mod ord">
+          <ac:chgData name="Hugo Paula" userId="ea3b8808-58fe-4fde-bf79-dea1702d2ab3" providerId="ADAL" clId="{44247CD9-23E6-4312-A327-57D54A55DCD7}" dt="2019-08-13T18:59:28.569" v="343" actId="26606"/>
+          <ac:spMkLst>
+            <pc:docMk/>
+            <pc:sldMk cId="3081371082" sldId="264"/>
+            <ac:spMk id="2" creationId="{118D22E6-21A5-46F5-9DF9-B92BB06F6D96}"/>
+          </ac:spMkLst>
+        </pc:spChg>
+        <pc:spChg chg="del">
+          <ac:chgData name="Hugo Paula" userId="ea3b8808-58fe-4fde-bf79-dea1702d2ab3" providerId="ADAL" clId="{44247CD9-23E6-4312-A327-57D54A55DCD7}" dt="2019-08-13T18:59:25.404" v="340"/>
+          <ac:spMkLst>
+            <pc:docMk/>
+            <pc:sldMk cId="3081371082" sldId="264"/>
+            <ac:spMk id="3" creationId="{57C667EE-C64B-4028-8966-F261555ED82A}"/>
+          </ac:spMkLst>
+        </pc:spChg>
+        <pc:spChg chg="add del">
+          <ac:chgData name="Hugo Paula" userId="ea3b8808-58fe-4fde-bf79-dea1702d2ab3" providerId="ADAL" clId="{44247CD9-23E6-4312-A327-57D54A55DCD7}" dt="2019-08-13T18:59:09.071" v="339"/>
+          <ac:spMkLst>
+            <pc:docMk/>
+            <pc:sldMk cId="3081371082" sldId="264"/>
+            <ac:spMk id="4" creationId="{D94D6B54-67DB-463C-8B9E-6AD4DACE443D}"/>
+          </ac:spMkLst>
+        </pc:spChg>
+        <pc:spChg chg="add">
+          <ac:chgData name="Hugo Paula" userId="ea3b8808-58fe-4fde-bf79-dea1702d2ab3" providerId="ADAL" clId="{44247CD9-23E6-4312-A327-57D54A55DCD7}" dt="2019-08-13T18:59:28.569" v="343" actId="26606"/>
+          <ac:spMkLst>
+            <pc:docMk/>
+            <pc:sldMk cId="3081371082" sldId="264"/>
+            <ac:spMk id="11" creationId="{71B2258F-86CA-4D4D-8270-BC05FCDEBFB3}"/>
+          </ac:spMkLst>
+        </pc:spChg>
+        <pc:picChg chg="add mod">
+          <ac:chgData name="Hugo Paula" userId="ea3b8808-58fe-4fde-bf79-dea1702d2ab3" providerId="ADAL" clId="{44247CD9-23E6-4312-A327-57D54A55DCD7}" dt="2019-08-13T18:59:28.569" v="343" actId="26606"/>
+          <ac:picMkLst>
+            <pc:docMk/>
+            <pc:sldMk cId="3081371082" sldId="264"/>
+            <ac:picMk id="6" creationId="{47E28149-AB93-4F7E-AE91-B94A8429E0A6}"/>
+          </ac:picMkLst>
+        </pc:picChg>
+      </pc:sldChg>
+      <pc:sldChg chg="addSp delSp modSp add mod setBg setClrOvrMap">
+        <pc:chgData name="Hugo Paula" userId="ea3b8808-58fe-4fde-bf79-dea1702d2ab3" providerId="ADAL" clId="{44247CD9-23E6-4312-A327-57D54A55DCD7}" dt="2019-08-13T19:03:55.147" v="610" actId="20577"/>
+        <pc:sldMkLst>
+          <pc:docMk/>
+          <pc:sldMk cId="2452709085" sldId="265"/>
+        </pc:sldMkLst>
+        <pc:spChg chg="mod ord">
+          <ac:chgData name="Hugo Paula" userId="ea3b8808-58fe-4fde-bf79-dea1702d2ab3" providerId="ADAL" clId="{44247CD9-23E6-4312-A327-57D54A55DCD7}" dt="2019-08-13T19:03:55.147" v="610" actId="20577"/>
+          <ac:spMkLst>
+            <pc:docMk/>
+            <pc:sldMk cId="2452709085" sldId="265"/>
+            <ac:spMk id="2" creationId="{8450D1F2-C179-42B3-96B4-CE5520C987C6}"/>
+          </ac:spMkLst>
+        </pc:spChg>
+        <pc:spChg chg="del">
+          <ac:chgData name="Hugo Paula" userId="ea3b8808-58fe-4fde-bf79-dea1702d2ab3" providerId="ADAL" clId="{44247CD9-23E6-4312-A327-57D54A55DCD7}" dt="2019-08-13T18:44:32.518" v="186" actId="931"/>
+          <ac:spMkLst>
+            <pc:docMk/>
+            <pc:sldMk cId="2452709085" sldId="265"/>
+            <ac:spMk id="3" creationId="{8AA10A6B-E8F8-43D1-92B2-73E7FEF47F93}"/>
+          </ac:spMkLst>
+        </pc:spChg>
+        <pc:spChg chg="add">
+          <ac:chgData name="Hugo Paula" userId="ea3b8808-58fe-4fde-bf79-dea1702d2ab3" providerId="ADAL" clId="{44247CD9-23E6-4312-A327-57D54A55DCD7}" dt="2019-08-13T18:44:35.687" v="189" actId="26606"/>
+          <ac:spMkLst>
+            <pc:docMk/>
+            <pc:sldMk cId="2452709085" sldId="265"/>
+            <ac:spMk id="10" creationId="{71B2258F-86CA-4D4D-8270-BC05FCDEBFB3}"/>
+          </ac:spMkLst>
+        </pc:spChg>
+        <pc:picChg chg="add mod">
+          <ac:chgData name="Hugo Paula" userId="ea3b8808-58fe-4fde-bf79-dea1702d2ab3" providerId="ADAL" clId="{44247CD9-23E6-4312-A327-57D54A55DCD7}" dt="2019-08-13T18:44:35.687" v="189" actId="26606"/>
+          <ac:picMkLst>
+            <pc:docMk/>
+            <pc:sldMk cId="2452709085" sldId="265"/>
+            <ac:picMk id="5" creationId="{AC05C6D1-0DFE-4566-870C-C567D3FC7ECD}"/>
+          </ac:picMkLst>
+        </pc:picChg>
+      </pc:sldChg>
+      <pc:sldChg chg="addSp delSp modSp add mod setBg setClrOvrMap">
+        <pc:chgData name="Hugo Paula" userId="ea3b8808-58fe-4fde-bf79-dea1702d2ab3" providerId="ADAL" clId="{44247CD9-23E6-4312-A327-57D54A55DCD7}" dt="2019-08-13T18:55:19.014" v="337" actId="26606"/>
+        <pc:sldMkLst>
+          <pc:docMk/>
+          <pc:sldMk cId="840580429" sldId="266"/>
+        </pc:sldMkLst>
+        <pc:spChg chg="mod">
+          <ac:chgData name="Hugo Paula" userId="ea3b8808-58fe-4fde-bf79-dea1702d2ab3" providerId="ADAL" clId="{44247CD9-23E6-4312-A327-57D54A55DCD7}" dt="2019-08-13T18:55:19.014" v="337" actId="26606"/>
+          <ac:spMkLst>
+            <pc:docMk/>
+            <pc:sldMk cId="840580429" sldId="266"/>
+            <ac:spMk id="2" creationId="{A4276225-561F-4026-93D2-30898D1CB2EF}"/>
+          </ac:spMkLst>
+        </pc:spChg>
+        <pc:spChg chg="del mod">
+          <ac:chgData name="Hugo Paula" userId="ea3b8808-58fe-4fde-bf79-dea1702d2ab3" providerId="ADAL" clId="{44247CD9-23E6-4312-A327-57D54A55DCD7}" dt="2019-08-13T18:55:19.014" v="337" actId="26606"/>
+          <ac:spMkLst>
+            <pc:docMk/>
+            <pc:sldMk cId="840580429" sldId="266"/>
+            <ac:spMk id="3" creationId="{7ADCA70E-7011-43E3-ABA9-3F0A6B8D01E8}"/>
+          </ac:spMkLst>
+        </pc:spChg>
+        <pc:graphicFrameChg chg="add">
+          <ac:chgData name="Hugo Paula" userId="ea3b8808-58fe-4fde-bf79-dea1702d2ab3" providerId="ADAL" clId="{44247CD9-23E6-4312-A327-57D54A55DCD7}" dt="2019-08-13T18:55:19.014" v="337" actId="26606"/>
+          <ac:graphicFrameMkLst>
+            <pc:docMk/>
+            <pc:sldMk cId="840580429" sldId="266"/>
+            <ac:graphicFrameMk id="5" creationId="{08458555-9731-473B-8BB6-F0C61C025FA3}"/>
+          </ac:graphicFrameMkLst>
+        </pc:graphicFrameChg>
       </pc:sldChg>
       <pc:sldChg chg="modSp add">
-        <pc:chgData name="Hugo Paula" userId="ea3b8808-58fe-4fde-bf79-dea1702d2ab3" providerId="ADAL" clId="{5C210CDE-3FD8-47E4-980A-E490C1EBC1E8}" dt="2020-04-24T20:51:11.428" v="494" actId="108"/>
+        <pc:chgData name="Hugo Paula" userId="ea3b8808-58fe-4fde-bf79-dea1702d2ab3" providerId="ADAL" clId="{44247CD9-23E6-4312-A327-57D54A55DCD7}" dt="2019-08-13T19:03:31.309" v="602" actId="20577"/>
         <pc:sldMkLst>
           <pc:docMk/>
-          <pc:sldMk cId="619566066" sldId="258"/>
+          <pc:sldMk cId="3028835910" sldId="267"/>
         </pc:sldMkLst>
         <pc:spChg chg="mod">
-          <ac:chgData name="Hugo Paula" userId="ea3b8808-58fe-4fde-bf79-dea1702d2ab3" providerId="ADAL" clId="{5C210CDE-3FD8-47E4-980A-E490C1EBC1E8}" dt="2020-04-24T20:47:47.386" v="349" actId="20577"/>
-          <ac:spMkLst>
-            <pc:docMk/>
-            <pc:sldMk cId="619566066" sldId="258"/>
-            <ac:spMk id="2" creationId="{D1BAECF5-B898-4F19-BB49-867A7E554FFA}"/>
+          <ac:chgData name="Hugo Paula" userId="ea3b8808-58fe-4fde-bf79-dea1702d2ab3" providerId="ADAL" clId="{44247CD9-23E6-4312-A327-57D54A55DCD7}" dt="2019-08-13T18:59:44.230" v="364" actId="20577"/>
+          <ac:spMkLst>
+            <pc:docMk/>
+            <pc:sldMk cId="3028835910" sldId="267"/>
+            <ac:spMk id="2" creationId="{B733E16C-0134-4E7C-8FFC-A21C041A04A4}"/>
           </ac:spMkLst>
         </pc:spChg>
         <pc:spChg chg="mod">
-          <ac:chgData name="Hugo Paula" userId="ea3b8808-58fe-4fde-bf79-dea1702d2ab3" providerId="ADAL" clId="{5C210CDE-3FD8-47E4-980A-E490C1EBC1E8}" dt="2020-04-24T20:51:11.428" v="494" actId="108"/>
-          <ac:spMkLst>
-            <pc:docMk/>
-            <pc:sldMk cId="619566066" sldId="258"/>
-            <ac:spMk id="3" creationId="{1597393D-937E-4435-A787-CF53A454063B}"/>
+          <ac:chgData name="Hugo Paula" userId="ea3b8808-58fe-4fde-bf79-dea1702d2ab3" providerId="ADAL" clId="{44247CD9-23E6-4312-A327-57D54A55DCD7}" dt="2019-08-13T19:03:31.309" v="602" actId="20577"/>
+          <ac:spMkLst>
+            <pc:docMk/>
+            <pc:sldMk cId="3028835910" sldId="267"/>
+            <ac:spMk id="3" creationId="{4EDEE87B-35BE-42C3-B5C1-249768514C07}"/>
           </ac:spMkLst>
         </pc:spChg>
       </pc:sldChg>
-      <pc:sldChg chg="modSp add">
-        <pc:chgData name="Hugo Paula" userId="ea3b8808-58fe-4fde-bf79-dea1702d2ab3" providerId="ADAL" clId="{5C210CDE-3FD8-47E4-980A-E490C1EBC1E8}" dt="2020-04-24T20:57:21.738" v="735" actId="20577"/>
+      <pc:sldChg chg="addSp delSp modSp add delAnim modAnim">
+        <pc:chgData name="Hugo Paula" userId="ea3b8808-58fe-4fde-bf79-dea1702d2ab3" providerId="ADAL" clId="{44247CD9-23E6-4312-A327-57D54A55DCD7}" dt="2019-08-13T19:17:32.030" v="681" actId="14100"/>
         <pc:sldMkLst>
           <pc:docMk/>
-          <pc:sldMk cId="10735341" sldId="259"/>
+          <pc:sldMk cId="3549903614" sldId="268"/>
         </pc:sldMkLst>
         <pc:spChg chg="mod">
-          <ac:chgData name="Hugo Paula" userId="ea3b8808-58fe-4fde-bf79-dea1702d2ab3" providerId="ADAL" clId="{5C210CDE-3FD8-47E4-980A-E490C1EBC1E8}" dt="2020-04-24T20:50:18.458" v="462" actId="20577"/>
-          <ac:spMkLst>
-            <pc:docMk/>
-            <pc:sldMk cId="10735341" sldId="259"/>
-            <ac:spMk id="2" creationId="{34C4592E-6DB1-4255-A67E-98C53E205750}"/>
+          <ac:chgData name="Hugo Paula" userId="ea3b8808-58fe-4fde-bf79-dea1702d2ab3" providerId="ADAL" clId="{44247CD9-23E6-4312-A327-57D54A55DCD7}" dt="2019-08-13T19:04:20.239" v="631" actId="20577"/>
+          <ac:spMkLst>
+            <pc:docMk/>
+            <pc:sldMk cId="3549903614" sldId="268"/>
+            <ac:spMk id="2" creationId="{D3B6493E-964B-41AC-9BDC-ADFA2043617A}"/>
           </ac:spMkLst>
         </pc:spChg>
         <pc:spChg chg="mod">
-          <ac:chgData name="Hugo Paula" userId="ea3b8808-58fe-4fde-bf79-dea1702d2ab3" providerId="ADAL" clId="{5C210CDE-3FD8-47E4-980A-E490C1EBC1E8}" dt="2020-04-24T20:57:21.738" v="735" actId="20577"/>
-          <ac:spMkLst>
-            <pc:docMk/>
-            <pc:sldMk cId="10735341" sldId="259"/>
-            <ac:spMk id="3" creationId="{565A9B84-1B5B-4E10-A8C6-D8F6F67D5BE9}"/>
-          </ac:spMkLst>
-        </pc:spChg>
-      </pc:sldChg>
-      <pc:sldChg chg="modSp add">
-        <pc:chgData name="Hugo Paula" userId="ea3b8808-58fe-4fde-bf79-dea1702d2ab3" providerId="ADAL" clId="{5C210CDE-3FD8-47E4-980A-E490C1EBC1E8}" dt="2020-04-24T20:55:02.162" v="558" actId="108"/>
-        <pc:sldMkLst>
-          <pc:docMk/>
-          <pc:sldMk cId="2333569979" sldId="260"/>
-        </pc:sldMkLst>
-        <pc:spChg chg="mod">
-          <ac:chgData name="Hugo Paula" userId="ea3b8808-58fe-4fde-bf79-dea1702d2ab3" providerId="ADAL" clId="{5C210CDE-3FD8-47E4-980A-E490C1EBC1E8}" dt="2020-04-24T20:53:50.290" v="549" actId="20577"/>
-          <ac:spMkLst>
-            <pc:docMk/>
-            <pc:sldMk cId="2333569979" sldId="260"/>
-            <ac:spMk id="2" creationId="{4B7B62FF-F720-4D43-96D9-F47269C9C704}"/>
-          </ac:spMkLst>
-        </pc:spChg>
-        <pc:spChg chg="mod">
-          <ac:chgData name="Hugo Paula" userId="ea3b8808-58fe-4fde-bf79-dea1702d2ab3" providerId="ADAL" clId="{5C210CDE-3FD8-47E4-980A-E490C1EBC1E8}" dt="2020-04-24T20:55:02.162" v="558" actId="108"/>
-          <ac:spMkLst>
-            <pc:docMk/>
-            <pc:sldMk cId="2333569979" sldId="260"/>
-            <ac:spMk id="3" creationId="{154BA1F6-B400-4FF7-83C0-E9EF0D3D1205}"/>
-          </ac:spMkLst>
-        </pc:spChg>
-      </pc:sldChg>
-      <pc:sldChg chg="modSp add">
-        <pc:chgData name="Hugo Paula" userId="ea3b8808-58fe-4fde-bf79-dea1702d2ab3" providerId="ADAL" clId="{5C210CDE-3FD8-47E4-980A-E490C1EBC1E8}" dt="2020-04-24T20:56:54.073" v="672" actId="20577"/>
-        <pc:sldMkLst>
-          <pc:docMk/>
-          <pc:sldMk cId="888302958" sldId="261"/>
-        </pc:sldMkLst>
-        <pc:spChg chg="mod">
-          <ac:chgData name="Hugo Paula" userId="ea3b8808-58fe-4fde-bf79-dea1702d2ab3" providerId="ADAL" clId="{5C210CDE-3FD8-47E4-980A-E490C1EBC1E8}" dt="2020-04-24T20:56:26.402" v="576" actId="20577"/>
-          <ac:spMkLst>
-            <pc:docMk/>
-            <pc:sldMk cId="888302958" sldId="261"/>
-            <ac:spMk id="2" creationId="{B4F6049A-B182-4FCA-8869-57115BDCAA3E}"/>
-          </ac:spMkLst>
-        </pc:spChg>
-        <pc:spChg chg="mod">
-          <ac:chgData name="Hugo Paula" userId="ea3b8808-58fe-4fde-bf79-dea1702d2ab3" providerId="ADAL" clId="{5C210CDE-3FD8-47E4-980A-E490C1EBC1E8}" dt="2020-04-24T20:56:54.073" v="672" actId="20577"/>
-          <ac:spMkLst>
-            <pc:docMk/>
-            <pc:sldMk cId="888302958" sldId="261"/>
-            <ac:spMk id="3" creationId="{AFA8643D-843B-48B8-90D4-A9FFBE981699}"/>
-          </ac:spMkLst>
-        </pc:spChg>
-      </pc:sldChg>
-      <pc:sldChg chg="modSp add">
-        <pc:chgData name="Hugo Paula" userId="ea3b8808-58fe-4fde-bf79-dea1702d2ab3" providerId="ADAL" clId="{5C210CDE-3FD8-47E4-980A-E490C1EBC1E8}" dt="2020-04-24T21:10:53.456" v="869" actId="20577"/>
-        <pc:sldMkLst>
-          <pc:docMk/>
-          <pc:sldMk cId="3381987599" sldId="262"/>
-        </pc:sldMkLst>
-        <pc:spChg chg="mod">
-          <ac:chgData name="Hugo Paula" userId="ea3b8808-58fe-4fde-bf79-dea1702d2ab3" providerId="ADAL" clId="{5C210CDE-3FD8-47E4-980A-E490C1EBC1E8}" dt="2020-04-24T20:57:08.538" v="689" actId="20577"/>
-          <ac:spMkLst>
-            <pc:docMk/>
-            <pc:sldMk cId="3381987599" sldId="262"/>
-            <ac:spMk id="2" creationId="{34512BFE-D5F4-48A8-B6B4-36334835292D}"/>
-          </ac:spMkLst>
-        </pc:spChg>
-        <pc:spChg chg="mod">
-          <ac:chgData name="Hugo Paula" userId="ea3b8808-58fe-4fde-bf79-dea1702d2ab3" providerId="ADAL" clId="{5C210CDE-3FD8-47E4-980A-E490C1EBC1E8}" dt="2020-04-24T21:10:53.456" v="869" actId="20577"/>
-          <ac:spMkLst>
-            <pc:docMk/>
-            <pc:sldMk cId="3381987599" sldId="262"/>
-            <ac:spMk id="3" creationId="{50EAF465-48B2-4C85-8F8B-2E118B73A521}"/>
-          </ac:spMkLst>
-        </pc:spChg>
+          <ac:chgData name="Hugo Paula" userId="ea3b8808-58fe-4fde-bf79-dea1702d2ab3" providerId="ADAL" clId="{44247CD9-23E6-4312-A327-57D54A55DCD7}" dt="2019-08-13T19:10:06.774" v="672" actId="20577"/>
+          <ac:spMkLst>
+            <pc:docMk/>
+            <pc:sldMk cId="3549903614" sldId="268"/>
+            <ac:spMk id="3" creationId="{2BE3F706-8F9E-496D-A7AD-4F385F1DCCF0}"/>
+          </ac:spMkLst>
+        </pc:spChg>
+        <pc:spChg chg="add mod">
+          <ac:chgData name="Hugo Paula" userId="ea3b8808-58fe-4fde-bf79-dea1702d2ab3" providerId="ADAL" clId="{44247CD9-23E6-4312-A327-57D54A55DCD7}" dt="2019-08-13T19:16:48.862" v="680" actId="1076"/>
+          <ac:spMkLst>
+            <pc:docMk/>
+            <pc:sldMk cId="3549903614" sldId="268"/>
+            <ac:spMk id="5" creationId="{EE6C06AD-3907-49EC-ADB1-7AF65CEE5806}"/>
+          </ac:spMkLst>
+        </pc:spChg>
+        <pc:picChg chg="add del mod">
+          <ac:chgData name="Hugo Paula" userId="ea3b8808-58fe-4fde-bf79-dea1702d2ab3" providerId="ADAL" clId="{44247CD9-23E6-4312-A327-57D54A55DCD7}" dt="2019-08-13T19:16:08.631" v="673" actId="478"/>
+          <ac:picMkLst>
+            <pc:docMk/>
+            <pc:sldMk cId="3549903614" sldId="268"/>
+            <ac:picMk id="4" creationId="{503B1E6F-3A1E-44E7-AF0D-A33153ABF715}"/>
+          </ac:picMkLst>
+        </pc:picChg>
+        <pc:picChg chg="add mod">
+          <ac:chgData name="Hugo Paula" userId="ea3b8808-58fe-4fde-bf79-dea1702d2ab3" providerId="ADAL" clId="{44247CD9-23E6-4312-A327-57D54A55DCD7}" dt="2019-08-13T19:17:32.030" v="681" actId="14100"/>
+          <ac:picMkLst>
+            <pc:docMk/>
+            <pc:sldMk cId="3549903614" sldId="268"/>
+            <ac:picMk id="6" creationId="{8867359D-D3C6-4CF3-8054-38C7084BEDEB}"/>
+          </ac:picMkLst>
+        </pc:picChg>
       </pc:sldChg>
     </pc:docChg>
   </pc:docChgLst>
@@ -2018,6 +2453,175 @@
             <ac:picMk id="4" creationId="{39240A05-387F-40C6-A45E-62301DD07CAC}"/>
           </ac:picMkLst>
         </pc:picChg>
+      </pc:sldChg>
+    </pc:docChg>
+  </pc:docChgLst>
+  <pc:docChgLst>
+    <pc:chgData name="Hugo Paula" userId="ea3b8808-58fe-4fde-bf79-dea1702d2ab3" providerId="ADAL" clId="{5C210CDE-3FD8-47E4-980A-E490C1EBC1E8}"/>
+    <pc:docChg chg="undo custSel addSld delSld modSld">
+      <pc:chgData name="Hugo Paula" userId="ea3b8808-58fe-4fde-bf79-dea1702d2ab3" providerId="ADAL" clId="{5C210CDE-3FD8-47E4-980A-E490C1EBC1E8}" dt="2020-04-24T21:10:53.456" v="869" actId="20577"/>
+      <pc:docMkLst>
+        <pc:docMk/>
+      </pc:docMkLst>
+      <pc:sldChg chg="modSp">
+        <pc:chgData name="Hugo Paula" userId="ea3b8808-58fe-4fde-bf79-dea1702d2ab3" providerId="ADAL" clId="{5C210CDE-3FD8-47E4-980A-E490C1EBC1E8}" dt="2020-04-23T23:29:01.171" v="35" actId="20577"/>
+        <pc:sldMkLst>
+          <pc:docMk/>
+          <pc:sldMk cId="1300950052" sldId="256"/>
+        </pc:sldMkLst>
+        <pc:spChg chg="mod">
+          <ac:chgData name="Hugo Paula" userId="ea3b8808-58fe-4fde-bf79-dea1702d2ab3" providerId="ADAL" clId="{5C210CDE-3FD8-47E4-980A-E490C1EBC1E8}" dt="2020-04-23T23:29:01.171" v="35" actId="20577"/>
+          <ac:spMkLst>
+            <pc:docMk/>
+            <pc:sldMk cId="1300950052" sldId="256"/>
+            <ac:spMk id="2" creationId="{3143D889-4F7D-41FD-93D4-9F5B7C0110F0}"/>
+          </ac:spMkLst>
+        </pc:spChg>
+      </pc:sldChg>
+      <pc:sldChg chg="modSp">
+        <pc:chgData name="Hugo Paula" userId="ea3b8808-58fe-4fde-bf79-dea1702d2ab3" providerId="ADAL" clId="{5C210CDE-3FD8-47E4-980A-E490C1EBC1E8}" dt="2020-04-24T20:36:56.687" v="311" actId="108"/>
+        <pc:sldMkLst>
+          <pc:docMk/>
+          <pc:sldMk cId="2626842338" sldId="257"/>
+        </pc:sldMkLst>
+        <pc:spChg chg="mod">
+          <ac:chgData name="Hugo Paula" userId="ea3b8808-58fe-4fde-bf79-dea1702d2ab3" providerId="ADAL" clId="{5C210CDE-3FD8-47E4-980A-E490C1EBC1E8}" dt="2020-04-23T23:29:08.875" v="59" actId="20577"/>
+          <ac:spMkLst>
+            <pc:docMk/>
+            <pc:sldMk cId="2626842338" sldId="257"/>
+            <ac:spMk id="2" creationId="{A6F27192-BF2F-441C-94A8-239857913D64}"/>
+          </ac:spMkLst>
+        </pc:spChg>
+        <pc:spChg chg="mod">
+          <ac:chgData name="Hugo Paula" userId="ea3b8808-58fe-4fde-bf79-dea1702d2ab3" providerId="ADAL" clId="{5C210CDE-3FD8-47E4-980A-E490C1EBC1E8}" dt="2020-04-24T20:36:56.687" v="311" actId="108"/>
+          <ac:spMkLst>
+            <pc:docMk/>
+            <pc:sldMk cId="2626842338" sldId="257"/>
+            <ac:spMk id="3" creationId="{9044EE10-804B-4BAA-8038-D9B6873A7950}"/>
+          </ac:spMkLst>
+        </pc:spChg>
+      </pc:sldChg>
+      <pc:sldChg chg="del">
+        <pc:chgData name="Hugo Paula" userId="ea3b8808-58fe-4fde-bf79-dea1702d2ab3" providerId="ADAL" clId="{5C210CDE-3FD8-47E4-980A-E490C1EBC1E8}" dt="2020-04-24T20:29:50.023" v="310" actId="2696"/>
+        <pc:sldMkLst>
+          <pc:docMk/>
+          <pc:sldMk cId="373583650" sldId="258"/>
+        </pc:sldMkLst>
+      </pc:sldChg>
+      <pc:sldChg chg="modSp add">
+        <pc:chgData name="Hugo Paula" userId="ea3b8808-58fe-4fde-bf79-dea1702d2ab3" providerId="ADAL" clId="{5C210CDE-3FD8-47E4-980A-E490C1EBC1E8}" dt="2020-04-24T20:51:11.428" v="494" actId="108"/>
+        <pc:sldMkLst>
+          <pc:docMk/>
+          <pc:sldMk cId="619566066" sldId="258"/>
+        </pc:sldMkLst>
+        <pc:spChg chg="mod">
+          <ac:chgData name="Hugo Paula" userId="ea3b8808-58fe-4fde-bf79-dea1702d2ab3" providerId="ADAL" clId="{5C210CDE-3FD8-47E4-980A-E490C1EBC1E8}" dt="2020-04-24T20:47:47.386" v="349" actId="20577"/>
+          <ac:spMkLst>
+            <pc:docMk/>
+            <pc:sldMk cId="619566066" sldId="258"/>
+            <ac:spMk id="2" creationId="{D1BAECF5-B898-4F19-BB49-867A7E554FFA}"/>
+          </ac:spMkLst>
+        </pc:spChg>
+        <pc:spChg chg="mod">
+          <ac:chgData name="Hugo Paula" userId="ea3b8808-58fe-4fde-bf79-dea1702d2ab3" providerId="ADAL" clId="{5C210CDE-3FD8-47E4-980A-E490C1EBC1E8}" dt="2020-04-24T20:51:11.428" v="494" actId="108"/>
+          <ac:spMkLst>
+            <pc:docMk/>
+            <pc:sldMk cId="619566066" sldId="258"/>
+            <ac:spMk id="3" creationId="{1597393D-937E-4435-A787-CF53A454063B}"/>
+          </ac:spMkLst>
+        </pc:spChg>
+      </pc:sldChg>
+      <pc:sldChg chg="modSp add">
+        <pc:chgData name="Hugo Paula" userId="ea3b8808-58fe-4fde-bf79-dea1702d2ab3" providerId="ADAL" clId="{5C210CDE-3FD8-47E4-980A-E490C1EBC1E8}" dt="2020-04-24T20:57:21.738" v="735" actId="20577"/>
+        <pc:sldMkLst>
+          <pc:docMk/>
+          <pc:sldMk cId="10735341" sldId="259"/>
+        </pc:sldMkLst>
+        <pc:spChg chg="mod">
+          <ac:chgData name="Hugo Paula" userId="ea3b8808-58fe-4fde-bf79-dea1702d2ab3" providerId="ADAL" clId="{5C210CDE-3FD8-47E4-980A-E490C1EBC1E8}" dt="2020-04-24T20:50:18.458" v="462" actId="20577"/>
+          <ac:spMkLst>
+            <pc:docMk/>
+            <pc:sldMk cId="10735341" sldId="259"/>
+            <ac:spMk id="2" creationId="{34C4592E-6DB1-4255-A67E-98C53E205750}"/>
+          </ac:spMkLst>
+        </pc:spChg>
+        <pc:spChg chg="mod">
+          <ac:chgData name="Hugo Paula" userId="ea3b8808-58fe-4fde-bf79-dea1702d2ab3" providerId="ADAL" clId="{5C210CDE-3FD8-47E4-980A-E490C1EBC1E8}" dt="2020-04-24T20:57:21.738" v="735" actId="20577"/>
+          <ac:spMkLst>
+            <pc:docMk/>
+            <pc:sldMk cId="10735341" sldId="259"/>
+            <ac:spMk id="3" creationId="{565A9B84-1B5B-4E10-A8C6-D8F6F67D5BE9}"/>
+          </ac:spMkLst>
+        </pc:spChg>
+      </pc:sldChg>
+      <pc:sldChg chg="modSp add">
+        <pc:chgData name="Hugo Paula" userId="ea3b8808-58fe-4fde-bf79-dea1702d2ab3" providerId="ADAL" clId="{5C210CDE-3FD8-47E4-980A-E490C1EBC1E8}" dt="2020-04-24T20:55:02.162" v="558" actId="108"/>
+        <pc:sldMkLst>
+          <pc:docMk/>
+          <pc:sldMk cId="2333569979" sldId="260"/>
+        </pc:sldMkLst>
+        <pc:spChg chg="mod">
+          <ac:chgData name="Hugo Paula" userId="ea3b8808-58fe-4fde-bf79-dea1702d2ab3" providerId="ADAL" clId="{5C210CDE-3FD8-47E4-980A-E490C1EBC1E8}" dt="2020-04-24T20:53:50.290" v="549" actId="20577"/>
+          <ac:spMkLst>
+            <pc:docMk/>
+            <pc:sldMk cId="2333569979" sldId="260"/>
+            <ac:spMk id="2" creationId="{4B7B62FF-F720-4D43-96D9-F47269C9C704}"/>
+          </ac:spMkLst>
+        </pc:spChg>
+        <pc:spChg chg="mod">
+          <ac:chgData name="Hugo Paula" userId="ea3b8808-58fe-4fde-bf79-dea1702d2ab3" providerId="ADAL" clId="{5C210CDE-3FD8-47E4-980A-E490C1EBC1E8}" dt="2020-04-24T20:55:02.162" v="558" actId="108"/>
+          <ac:spMkLst>
+            <pc:docMk/>
+            <pc:sldMk cId="2333569979" sldId="260"/>
+            <ac:spMk id="3" creationId="{154BA1F6-B400-4FF7-83C0-E9EF0D3D1205}"/>
+          </ac:spMkLst>
+        </pc:spChg>
+      </pc:sldChg>
+      <pc:sldChg chg="modSp add">
+        <pc:chgData name="Hugo Paula" userId="ea3b8808-58fe-4fde-bf79-dea1702d2ab3" providerId="ADAL" clId="{5C210CDE-3FD8-47E4-980A-E490C1EBC1E8}" dt="2020-04-24T20:56:54.073" v="672" actId="20577"/>
+        <pc:sldMkLst>
+          <pc:docMk/>
+          <pc:sldMk cId="888302958" sldId="261"/>
+        </pc:sldMkLst>
+        <pc:spChg chg="mod">
+          <ac:chgData name="Hugo Paula" userId="ea3b8808-58fe-4fde-bf79-dea1702d2ab3" providerId="ADAL" clId="{5C210CDE-3FD8-47E4-980A-E490C1EBC1E8}" dt="2020-04-24T20:56:26.402" v="576" actId="20577"/>
+          <ac:spMkLst>
+            <pc:docMk/>
+            <pc:sldMk cId="888302958" sldId="261"/>
+            <ac:spMk id="2" creationId="{B4F6049A-B182-4FCA-8869-57115BDCAA3E}"/>
+          </ac:spMkLst>
+        </pc:spChg>
+        <pc:spChg chg="mod">
+          <ac:chgData name="Hugo Paula" userId="ea3b8808-58fe-4fde-bf79-dea1702d2ab3" providerId="ADAL" clId="{5C210CDE-3FD8-47E4-980A-E490C1EBC1E8}" dt="2020-04-24T20:56:54.073" v="672" actId="20577"/>
+          <ac:spMkLst>
+            <pc:docMk/>
+            <pc:sldMk cId="888302958" sldId="261"/>
+            <ac:spMk id="3" creationId="{AFA8643D-843B-48B8-90D4-A9FFBE981699}"/>
+          </ac:spMkLst>
+        </pc:spChg>
+      </pc:sldChg>
+      <pc:sldChg chg="modSp add">
+        <pc:chgData name="Hugo Paula" userId="ea3b8808-58fe-4fde-bf79-dea1702d2ab3" providerId="ADAL" clId="{5C210CDE-3FD8-47E4-980A-E490C1EBC1E8}" dt="2020-04-24T21:10:53.456" v="869" actId="20577"/>
+        <pc:sldMkLst>
+          <pc:docMk/>
+          <pc:sldMk cId="3381987599" sldId="262"/>
+        </pc:sldMkLst>
+        <pc:spChg chg="mod">
+          <ac:chgData name="Hugo Paula" userId="ea3b8808-58fe-4fde-bf79-dea1702d2ab3" providerId="ADAL" clId="{5C210CDE-3FD8-47E4-980A-E490C1EBC1E8}" dt="2020-04-24T20:57:08.538" v="689" actId="20577"/>
+          <ac:spMkLst>
+            <pc:docMk/>
+            <pc:sldMk cId="3381987599" sldId="262"/>
+            <ac:spMk id="2" creationId="{34512BFE-D5F4-48A8-B6B4-36334835292D}"/>
+          </ac:spMkLst>
+        </pc:spChg>
+        <pc:spChg chg="mod">
+          <ac:chgData name="Hugo Paula" userId="ea3b8808-58fe-4fde-bf79-dea1702d2ab3" providerId="ADAL" clId="{5C210CDE-3FD8-47E4-980A-E490C1EBC1E8}" dt="2020-04-24T21:10:53.456" v="869" actId="20577"/>
+          <ac:spMkLst>
+            <pc:docMk/>
+            <pc:sldMk cId="3381987599" sldId="262"/>
+            <ac:spMk id="3" creationId="{50EAF465-48B2-4C85-8F8B-2E118B73A521}"/>
+          </ac:spMkLst>
+        </pc:spChg>
       </pc:sldChg>
     </pc:docChg>
   </pc:docChgLst>
@@ -2929,610 +3533,6 @@
       </pc:sldMasterChg>
     </pc:docChg>
   </pc:docChgLst>
-  <pc:docChgLst>
-    <pc:chgData name="Hugo Paula" userId="ea3b8808-58fe-4fde-bf79-dea1702d2ab3" providerId="ADAL" clId="{44247CD9-23E6-4312-A327-57D54A55DCD7}"/>
-    <pc:docChg chg="undo custSel mod addSld modSld sldOrd">
-      <pc:chgData name="Hugo Paula" userId="ea3b8808-58fe-4fde-bf79-dea1702d2ab3" providerId="ADAL" clId="{44247CD9-23E6-4312-A327-57D54A55DCD7}" dt="2019-08-20T04:28:59.376" v="694" actId="6549"/>
-      <pc:docMkLst>
-        <pc:docMk/>
-      </pc:docMkLst>
-      <pc:sldChg chg="modSp">
-        <pc:chgData name="Hugo Paula" userId="ea3b8808-58fe-4fde-bf79-dea1702d2ab3" providerId="ADAL" clId="{44247CD9-23E6-4312-A327-57D54A55DCD7}" dt="2019-08-20T04:28:59.376" v="694" actId="6549"/>
-        <pc:sldMkLst>
-          <pc:docMk/>
-          <pc:sldMk cId="1300950052" sldId="256"/>
-        </pc:sldMkLst>
-        <pc:spChg chg="mod">
-          <ac:chgData name="Hugo Paula" userId="ea3b8808-58fe-4fde-bf79-dea1702d2ab3" providerId="ADAL" clId="{44247CD9-23E6-4312-A327-57D54A55DCD7}" dt="2019-08-20T04:28:59.376" v="694" actId="6549"/>
-          <ac:spMkLst>
-            <pc:docMk/>
-            <pc:sldMk cId="1300950052" sldId="256"/>
-            <ac:spMk id="2" creationId="{3143D889-4F7D-41FD-93D4-9F5B7C0110F0}"/>
-          </ac:spMkLst>
-        </pc:spChg>
-        <pc:spChg chg="mod">
-          <ac:chgData name="Hugo Paula" userId="ea3b8808-58fe-4fde-bf79-dea1702d2ab3" providerId="ADAL" clId="{44247CD9-23E6-4312-A327-57D54A55DCD7}" dt="2019-08-13T18:19:33.069" v="53" actId="20577"/>
-          <ac:spMkLst>
-            <pc:docMk/>
-            <pc:sldMk cId="1300950052" sldId="256"/>
-            <ac:spMk id="3" creationId="{6EA10562-C1F6-41CE-B3B4-FB5A52C68EA4}"/>
-          </ac:spMkLst>
-        </pc:spChg>
-      </pc:sldChg>
-      <pc:sldChg chg="addSp delSp modSp add modAnim">
-        <pc:chgData name="Hugo Paula" userId="ea3b8808-58fe-4fde-bf79-dea1702d2ab3" providerId="ADAL" clId="{44247CD9-23E6-4312-A327-57D54A55DCD7}" dt="2019-08-13T18:21:59.015" v="64" actId="20577"/>
-        <pc:sldMkLst>
-          <pc:docMk/>
-          <pc:sldMk cId="3491934599" sldId="257"/>
-        </pc:sldMkLst>
-        <pc:spChg chg="mod">
-          <ac:chgData name="Hugo Paula" userId="ea3b8808-58fe-4fde-bf79-dea1702d2ab3" providerId="ADAL" clId="{44247CD9-23E6-4312-A327-57D54A55DCD7}" dt="2019-08-13T18:21:59.015" v="64" actId="20577"/>
-          <ac:spMkLst>
-            <pc:docMk/>
-            <pc:sldMk cId="3491934599" sldId="257"/>
-            <ac:spMk id="2" creationId="{1E8D7354-E925-4864-B71E-200F8E12217E}"/>
-          </ac:spMkLst>
-        </pc:spChg>
-        <pc:spChg chg="del">
-          <ac:chgData name="Hugo Paula" userId="ea3b8808-58fe-4fde-bf79-dea1702d2ab3" providerId="ADAL" clId="{44247CD9-23E6-4312-A327-57D54A55DCD7}" dt="2019-08-13T18:19:48.526" v="55"/>
-          <ac:spMkLst>
-            <pc:docMk/>
-            <pc:sldMk cId="3491934599" sldId="257"/>
-            <ac:spMk id="3" creationId="{0547CDF6-AEB3-4A46-A9E4-E132B791A0F9}"/>
-          </ac:spMkLst>
-        </pc:spChg>
-        <pc:picChg chg="add mod">
-          <ac:chgData name="Hugo Paula" userId="ea3b8808-58fe-4fde-bf79-dea1702d2ab3" providerId="ADAL" clId="{44247CD9-23E6-4312-A327-57D54A55DCD7}" dt="2019-08-13T18:19:48.526" v="55"/>
-          <ac:picMkLst>
-            <pc:docMk/>
-            <pc:sldMk cId="3491934599" sldId="257"/>
-            <ac:picMk id="4" creationId="{5ED835FA-59F9-4A10-89A0-30A5F78F6F47}"/>
-          </ac:picMkLst>
-        </pc:picChg>
-      </pc:sldChg>
-      <pc:sldChg chg="addSp delSp modSp add modAnim">
-        <pc:chgData name="Hugo Paula" userId="ea3b8808-58fe-4fde-bf79-dea1702d2ab3" providerId="ADAL" clId="{44247CD9-23E6-4312-A327-57D54A55DCD7}" dt="2019-08-13T18:25:08.454" v="70" actId="27636"/>
-        <pc:sldMkLst>
-          <pc:docMk/>
-          <pc:sldMk cId="2665930106" sldId="258"/>
-        </pc:sldMkLst>
-        <pc:spChg chg="mod">
-          <ac:chgData name="Hugo Paula" userId="ea3b8808-58fe-4fde-bf79-dea1702d2ab3" providerId="ADAL" clId="{44247CD9-23E6-4312-A327-57D54A55DCD7}" dt="2019-08-13T18:25:08.454" v="70" actId="27636"/>
-          <ac:spMkLst>
-            <pc:docMk/>
-            <pc:sldMk cId="2665930106" sldId="258"/>
-            <ac:spMk id="2" creationId="{AF7DFD24-5F25-49F6-B080-AD44798AE976}"/>
-          </ac:spMkLst>
-        </pc:spChg>
-        <pc:spChg chg="del">
-          <ac:chgData name="Hugo Paula" userId="ea3b8808-58fe-4fde-bf79-dea1702d2ab3" providerId="ADAL" clId="{44247CD9-23E6-4312-A327-57D54A55DCD7}" dt="2019-08-13T18:24:31.784" v="66"/>
-          <ac:spMkLst>
-            <pc:docMk/>
-            <pc:sldMk cId="2665930106" sldId="258"/>
-            <ac:spMk id="3" creationId="{9EC3076D-E93A-4B0B-BD26-7AD516F084A5}"/>
-          </ac:spMkLst>
-        </pc:spChg>
-        <pc:picChg chg="add mod">
-          <ac:chgData name="Hugo Paula" userId="ea3b8808-58fe-4fde-bf79-dea1702d2ab3" providerId="ADAL" clId="{44247CD9-23E6-4312-A327-57D54A55DCD7}" dt="2019-08-13T18:24:31.784" v="66"/>
-          <ac:picMkLst>
-            <pc:docMk/>
-            <pc:sldMk cId="2665930106" sldId="258"/>
-            <ac:picMk id="4" creationId="{BC327DF7-68E7-4B3C-AA72-8B0D8DBE85D7}"/>
-          </ac:picMkLst>
-        </pc:picChg>
-      </pc:sldChg>
-      <pc:sldChg chg="addSp delSp modSp add ord modAnim">
-        <pc:chgData name="Hugo Paula" userId="ea3b8808-58fe-4fde-bf79-dea1702d2ab3" providerId="ADAL" clId="{44247CD9-23E6-4312-A327-57D54A55DCD7}" dt="2019-08-13T18:45:08.221" v="190"/>
-        <pc:sldMkLst>
-          <pc:docMk/>
-          <pc:sldMk cId="2445231288" sldId="259"/>
-        </pc:sldMkLst>
-        <pc:spChg chg="mod">
-          <ac:chgData name="Hugo Paula" userId="ea3b8808-58fe-4fde-bf79-dea1702d2ab3" providerId="ADAL" clId="{44247CD9-23E6-4312-A327-57D54A55DCD7}" dt="2019-08-13T18:26:47.354" v="74" actId="20577"/>
-          <ac:spMkLst>
-            <pc:docMk/>
-            <pc:sldMk cId="2445231288" sldId="259"/>
-            <ac:spMk id="2" creationId="{2E679DF9-824B-4EE3-810F-AC09142D0515}"/>
-          </ac:spMkLst>
-        </pc:spChg>
-        <pc:spChg chg="del">
-          <ac:chgData name="Hugo Paula" userId="ea3b8808-58fe-4fde-bf79-dea1702d2ab3" providerId="ADAL" clId="{44247CD9-23E6-4312-A327-57D54A55DCD7}" dt="2019-08-13T18:26:36.624" v="72"/>
-          <ac:spMkLst>
-            <pc:docMk/>
-            <pc:sldMk cId="2445231288" sldId="259"/>
-            <ac:spMk id="3" creationId="{55CBF48B-9CEB-449A-B65E-3E1900AB8F6C}"/>
-          </ac:spMkLst>
-        </pc:spChg>
-        <pc:picChg chg="add mod">
-          <ac:chgData name="Hugo Paula" userId="ea3b8808-58fe-4fde-bf79-dea1702d2ab3" providerId="ADAL" clId="{44247CD9-23E6-4312-A327-57D54A55DCD7}" dt="2019-08-13T18:26:36.624" v="72"/>
-          <ac:picMkLst>
-            <pc:docMk/>
-            <pc:sldMk cId="2445231288" sldId="259"/>
-            <ac:picMk id="4" creationId="{C1F7EA7E-BABC-4ED3-BB9D-3D05EF09B042}"/>
-          </ac:picMkLst>
-        </pc:picChg>
-      </pc:sldChg>
-      <pc:sldChg chg="addSp delSp modSp add ord modAnim">
-        <pc:chgData name="Hugo Paula" userId="ea3b8808-58fe-4fde-bf79-dea1702d2ab3" providerId="ADAL" clId="{44247CD9-23E6-4312-A327-57D54A55DCD7}" dt="2019-08-13T18:45:15.765" v="192"/>
-        <pc:sldMkLst>
-          <pc:docMk/>
-          <pc:sldMk cId="4147951829" sldId="260"/>
-        </pc:sldMkLst>
-        <pc:spChg chg="mod">
-          <ac:chgData name="Hugo Paula" userId="ea3b8808-58fe-4fde-bf79-dea1702d2ab3" providerId="ADAL" clId="{44247CD9-23E6-4312-A327-57D54A55DCD7}" dt="2019-08-13T18:29:15.303" v="82" actId="6549"/>
-          <ac:spMkLst>
-            <pc:docMk/>
-            <pc:sldMk cId="4147951829" sldId="260"/>
-            <ac:spMk id="2" creationId="{53B6117B-1A6D-470A-AD24-BE5090A55050}"/>
-          </ac:spMkLst>
-        </pc:spChg>
-        <pc:spChg chg="del">
-          <ac:chgData name="Hugo Paula" userId="ea3b8808-58fe-4fde-bf79-dea1702d2ab3" providerId="ADAL" clId="{44247CD9-23E6-4312-A327-57D54A55DCD7}" dt="2019-08-13T18:28:18.254" v="76"/>
-          <ac:spMkLst>
-            <pc:docMk/>
-            <pc:sldMk cId="4147951829" sldId="260"/>
-            <ac:spMk id="3" creationId="{E8075CDE-44BB-42E5-8CE0-2E9CC4E3C822}"/>
-          </ac:spMkLst>
-        </pc:spChg>
-        <pc:picChg chg="add mod">
-          <ac:chgData name="Hugo Paula" userId="ea3b8808-58fe-4fde-bf79-dea1702d2ab3" providerId="ADAL" clId="{44247CD9-23E6-4312-A327-57D54A55DCD7}" dt="2019-08-13T18:28:18.254" v="76"/>
-          <ac:picMkLst>
-            <pc:docMk/>
-            <pc:sldMk cId="4147951829" sldId="260"/>
-            <ac:picMk id="4" creationId="{C026BC03-1976-4D10-BB95-15C24D66F6C9}"/>
-          </ac:picMkLst>
-        </pc:picChg>
-      </pc:sldChg>
-      <pc:sldChg chg="addSp delSp modSp add ord modAnim">
-        <pc:chgData name="Hugo Paula" userId="ea3b8808-58fe-4fde-bf79-dea1702d2ab3" providerId="ADAL" clId="{44247CD9-23E6-4312-A327-57D54A55DCD7}" dt="2019-08-13T18:45:22.276" v="193"/>
-        <pc:sldMkLst>
-          <pc:docMk/>
-          <pc:sldMk cId="1652398062" sldId="261"/>
-        </pc:sldMkLst>
-        <pc:spChg chg="mod">
-          <ac:chgData name="Hugo Paula" userId="ea3b8808-58fe-4fde-bf79-dea1702d2ab3" providerId="ADAL" clId="{44247CD9-23E6-4312-A327-57D54A55DCD7}" dt="2019-08-13T18:30:36.632" v="88" actId="27636"/>
-          <ac:spMkLst>
-            <pc:docMk/>
-            <pc:sldMk cId="1652398062" sldId="261"/>
-            <ac:spMk id="2" creationId="{64ECBD7B-B04A-4E64-9A1B-CC930C1A6F87}"/>
-          </ac:spMkLst>
-        </pc:spChg>
-        <pc:spChg chg="del">
-          <ac:chgData name="Hugo Paula" userId="ea3b8808-58fe-4fde-bf79-dea1702d2ab3" providerId="ADAL" clId="{44247CD9-23E6-4312-A327-57D54A55DCD7}" dt="2019-08-13T18:30:23.873" v="84"/>
-          <ac:spMkLst>
-            <pc:docMk/>
-            <pc:sldMk cId="1652398062" sldId="261"/>
-            <ac:spMk id="3" creationId="{A507B903-3AFA-4F0B-853D-D993AF5FDBE9}"/>
-          </ac:spMkLst>
-        </pc:spChg>
-        <pc:picChg chg="add mod">
-          <ac:chgData name="Hugo Paula" userId="ea3b8808-58fe-4fde-bf79-dea1702d2ab3" providerId="ADAL" clId="{44247CD9-23E6-4312-A327-57D54A55DCD7}" dt="2019-08-13T18:30:23.873" v="84"/>
-          <ac:picMkLst>
-            <pc:docMk/>
-            <pc:sldMk cId="1652398062" sldId="261"/>
-            <ac:picMk id="4" creationId="{F4429ED3-D2F9-44D6-8F2F-5E6C2E960678}"/>
-          </ac:picMkLst>
-        </pc:picChg>
-      </pc:sldChg>
-      <pc:sldChg chg="addSp delSp modSp add mod setBg setClrOvrMap">
-        <pc:chgData name="Hugo Paula" userId="ea3b8808-58fe-4fde-bf79-dea1702d2ab3" providerId="ADAL" clId="{44247CD9-23E6-4312-A327-57D54A55DCD7}" dt="2019-08-13T18:44:02.598" v="185" actId="26606"/>
-        <pc:sldMkLst>
-          <pc:docMk/>
-          <pc:sldMk cId="721748103" sldId="262"/>
-        </pc:sldMkLst>
-        <pc:spChg chg="mod ord">
-          <ac:chgData name="Hugo Paula" userId="ea3b8808-58fe-4fde-bf79-dea1702d2ab3" providerId="ADAL" clId="{44247CD9-23E6-4312-A327-57D54A55DCD7}" dt="2019-08-13T18:44:02.598" v="185" actId="26606"/>
-          <ac:spMkLst>
-            <pc:docMk/>
-            <pc:sldMk cId="721748103" sldId="262"/>
-            <ac:spMk id="2" creationId="{AD5EF0CA-9413-4EC8-83E8-DF9C9CC70BFC}"/>
-          </ac:spMkLst>
-        </pc:spChg>
-        <pc:spChg chg="del mod">
-          <ac:chgData name="Hugo Paula" userId="ea3b8808-58fe-4fde-bf79-dea1702d2ab3" providerId="ADAL" clId="{44247CD9-23E6-4312-A327-57D54A55DCD7}" dt="2019-08-13T18:41:24.494" v="127" actId="478"/>
-          <ac:spMkLst>
-            <pc:docMk/>
-            <pc:sldMk cId="721748103" sldId="262"/>
-            <ac:spMk id="3" creationId="{B474FC07-9AB9-4088-BDD9-20FC3F48EB66}"/>
-          </ac:spMkLst>
-        </pc:spChg>
-        <pc:spChg chg="add del mod">
-          <ac:chgData name="Hugo Paula" userId="ea3b8808-58fe-4fde-bf79-dea1702d2ab3" providerId="ADAL" clId="{44247CD9-23E6-4312-A327-57D54A55DCD7}" dt="2019-08-13T18:41:25.902" v="128" actId="478"/>
-          <ac:spMkLst>
-            <pc:docMk/>
-            <pc:sldMk cId="721748103" sldId="262"/>
-            <ac:spMk id="5" creationId="{93B463E7-F802-4A3C-85E3-64116F4CBECE}"/>
-          </ac:spMkLst>
-        </pc:spChg>
-        <pc:spChg chg="add del">
-          <ac:chgData name="Hugo Paula" userId="ea3b8808-58fe-4fde-bf79-dea1702d2ab3" providerId="ADAL" clId="{44247CD9-23E6-4312-A327-57D54A55DCD7}" dt="2019-08-13T18:41:46.622" v="130" actId="26606"/>
-          <ac:spMkLst>
-            <pc:docMk/>
-            <pc:sldMk cId="721748103" sldId="262"/>
-            <ac:spMk id="7" creationId="{23962611-DFD5-4092-AAFD-559E3DFCE2C9}"/>
-          </ac:spMkLst>
-        </pc:spChg>
-        <pc:spChg chg="add del">
-          <ac:chgData name="Hugo Paula" userId="ea3b8808-58fe-4fde-bf79-dea1702d2ab3" providerId="ADAL" clId="{44247CD9-23E6-4312-A327-57D54A55DCD7}" dt="2019-08-13T18:43:50.524" v="172" actId="26606"/>
-          <ac:spMkLst>
-            <pc:docMk/>
-            <pc:sldMk cId="721748103" sldId="262"/>
-            <ac:spMk id="13" creationId="{71B2258F-86CA-4D4D-8270-BC05FCDEBFB3}"/>
-          </ac:spMkLst>
-        </pc:spChg>
-        <pc:spChg chg="add del">
-          <ac:chgData name="Hugo Paula" userId="ea3b8808-58fe-4fde-bf79-dea1702d2ab3" providerId="ADAL" clId="{44247CD9-23E6-4312-A327-57D54A55DCD7}" dt="2019-08-13T18:43:52.927" v="174" actId="26606"/>
-          <ac:spMkLst>
-            <pc:docMk/>
-            <pc:sldMk cId="721748103" sldId="262"/>
-            <ac:spMk id="16" creationId="{87CC2527-562A-4F69-B487-4371E5B243E7}"/>
-          </ac:spMkLst>
-        </pc:spChg>
-        <pc:spChg chg="add del">
-          <ac:chgData name="Hugo Paula" userId="ea3b8808-58fe-4fde-bf79-dea1702d2ab3" providerId="ADAL" clId="{44247CD9-23E6-4312-A327-57D54A55DCD7}" dt="2019-08-13T18:43:54.646" v="176" actId="26606"/>
-          <ac:spMkLst>
-            <pc:docMk/>
-            <pc:sldMk cId="721748103" sldId="262"/>
-            <ac:spMk id="18" creationId="{37C89E4B-3C9F-44B9-8B86-D9E3D112D8EC}"/>
-          </ac:spMkLst>
-        </pc:spChg>
-        <pc:spChg chg="add del">
-          <ac:chgData name="Hugo Paula" userId="ea3b8808-58fe-4fde-bf79-dea1702d2ab3" providerId="ADAL" clId="{44247CD9-23E6-4312-A327-57D54A55DCD7}" dt="2019-08-13T18:43:55.767" v="178" actId="26606"/>
-          <ac:spMkLst>
-            <pc:docMk/>
-            <pc:sldMk cId="721748103" sldId="262"/>
-            <ac:spMk id="21" creationId="{1DB7C82F-AB7E-4F0C-B829-FA1B9C415180}"/>
-          </ac:spMkLst>
-        </pc:spChg>
-        <pc:spChg chg="add del">
-          <ac:chgData name="Hugo Paula" userId="ea3b8808-58fe-4fde-bf79-dea1702d2ab3" providerId="ADAL" clId="{44247CD9-23E6-4312-A327-57D54A55DCD7}" dt="2019-08-13T18:43:57.287" v="180" actId="26606"/>
-          <ac:spMkLst>
-            <pc:docMk/>
-            <pc:sldMk cId="721748103" sldId="262"/>
-            <ac:spMk id="23" creationId="{37C89E4B-3C9F-44B9-8B86-D9E3D112D8EC}"/>
-          </ac:spMkLst>
-        </pc:spChg>
-        <pc:spChg chg="add del">
-          <ac:chgData name="Hugo Paula" userId="ea3b8808-58fe-4fde-bf79-dea1702d2ab3" providerId="ADAL" clId="{44247CD9-23E6-4312-A327-57D54A55DCD7}" dt="2019-08-13T18:43:58.687" v="182" actId="26606"/>
-          <ac:spMkLst>
-            <pc:docMk/>
-            <pc:sldMk cId="721748103" sldId="262"/>
-            <ac:spMk id="27" creationId="{E20EB187-900F-4AF5-813B-101456D9FD39}"/>
-          </ac:spMkLst>
-        </pc:spChg>
-        <pc:spChg chg="add del">
-          <ac:chgData name="Hugo Paula" userId="ea3b8808-58fe-4fde-bf79-dea1702d2ab3" providerId="ADAL" clId="{44247CD9-23E6-4312-A327-57D54A55DCD7}" dt="2019-08-13T18:44:02.585" v="184" actId="26606"/>
-          <ac:spMkLst>
-            <pc:docMk/>
-            <pc:sldMk cId="721748103" sldId="262"/>
-            <ac:spMk id="30" creationId="{71B2258F-86CA-4D4D-8270-BC05FCDEBFB3}"/>
-          </ac:spMkLst>
-        </pc:spChg>
-        <pc:spChg chg="add">
-          <ac:chgData name="Hugo Paula" userId="ea3b8808-58fe-4fde-bf79-dea1702d2ab3" providerId="ADAL" clId="{44247CD9-23E6-4312-A327-57D54A55DCD7}" dt="2019-08-13T18:44:02.598" v="185" actId="26606"/>
-          <ac:spMkLst>
-            <pc:docMk/>
-            <pc:sldMk cId="721748103" sldId="262"/>
-            <ac:spMk id="32" creationId="{71B2258F-86CA-4D4D-8270-BC05FCDEBFB3}"/>
-          </ac:spMkLst>
-        </pc:spChg>
-        <pc:picChg chg="add mod">
-          <ac:chgData name="Hugo Paula" userId="ea3b8808-58fe-4fde-bf79-dea1702d2ab3" providerId="ADAL" clId="{44247CD9-23E6-4312-A327-57D54A55DCD7}" dt="2019-08-13T18:44:02.598" v="185" actId="26606"/>
-          <ac:picMkLst>
-            <pc:docMk/>
-            <pc:sldMk cId="721748103" sldId="262"/>
-            <ac:picMk id="8" creationId="{D95B943D-9346-4A21-8557-4CEC3383C120}"/>
-          </ac:picMkLst>
-        </pc:picChg>
-        <pc:picChg chg="add del">
-          <ac:chgData name="Hugo Paula" userId="ea3b8808-58fe-4fde-bf79-dea1702d2ab3" providerId="ADAL" clId="{44247CD9-23E6-4312-A327-57D54A55DCD7}" dt="2019-08-13T18:41:46.622" v="130" actId="26606"/>
-          <ac:picMkLst>
-            <pc:docMk/>
-            <pc:sldMk cId="721748103" sldId="262"/>
-            <ac:picMk id="9" creationId="{2270F1FA-0425-408F-9861-80BF5AFB276D}"/>
-          </ac:picMkLst>
-        </pc:picChg>
-        <pc:cxnChg chg="add del">
-          <ac:chgData name="Hugo Paula" userId="ea3b8808-58fe-4fde-bf79-dea1702d2ab3" providerId="ADAL" clId="{44247CD9-23E6-4312-A327-57D54A55DCD7}" dt="2019-08-13T18:43:52.927" v="174" actId="26606"/>
-          <ac:cxnSpMkLst>
-            <pc:docMk/>
-            <pc:sldMk cId="721748103" sldId="262"/>
-            <ac:cxnSpMk id="15" creationId="{BCDAEC91-5BCE-4B55-9CC0-43EF94CB734B}"/>
-          </ac:cxnSpMkLst>
-        </pc:cxnChg>
-        <pc:cxnChg chg="add del">
-          <ac:chgData name="Hugo Paula" userId="ea3b8808-58fe-4fde-bf79-dea1702d2ab3" providerId="ADAL" clId="{44247CD9-23E6-4312-A327-57D54A55DCD7}" dt="2019-08-13T18:43:54.646" v="176" actId="26606"/>
-          <ac:cxnSpMkLst>
-            <pc:docMk/>
-            <pc:sldMk cId="721748103" sldId="262"/>
-            <ac:cxnSpMk id="17" creationId="{D891E407-403B-4764-86C9-33A56D3BCAA3}"/>
-          </ac:cxnSpMkLst>
-        </pc:cxnChg>
-        <pc:cxnChg chg="add del">
-          <ac:chgData name="Hugo Paula" userId="ea3b8808-58fe-4fde-bf79-dea1702d2ab3" providerId="ADAL" clId="{44247CD9-23E6-4312-A327-57D54A55DCD7}" dt="2019-08-13T18:43:54.646" v="176" actId="26606"/>
-          <ac:cxnSpMkLst>
-            <pc:docMk/>
-            <pc:sldMk cId="721748103" sldId="262"/>
-            <ac:cxnSpMk id="19" creationId="{AA2EAA10-076F-46BD-8F0F-B9A2FB77A85C}"/>
-          </ac:cxnSpMkLst>
-        </pc:cxnChg>
-        <pc:cxnChg chg="add del">
-          <ac:chgData name="Hugo Paula" userId="ea3b8808-58fe-4fde-bf79-dea1702d2ab3" providerId="ADAL" clId="{44247CD9-23E6-4312-A327-57D54A55DCD7}" dt="2019-08-13T18:43:57.287" v="180" actId="26606"/>
-          <ac:cxnSpMkLst>
-            <pc:docMk/>
-            <pc:sldMk cId="721748103" sldId="262"/>
-            <ac:cxnSpMk id="24" creationId="{AA2EAA10-076F-46BD-8F0F-B9A2FB77A85C}"/>
-          </ac:cxnSpMkLst>
-        </pc:cxnChg>
-        <pc:cxnChg chg="add del">
-          <ac:chgData name="Hugo Paula" userId="ea3b8808-58fe-4fde-bf79-dea1702d2ab3" providerId="ADAL" clId="{44247CD9-23E6-4312-A327-57D54A55DCD7}" dt="2019-08-13T18:43:57.287" v="180" actId="26606"/>
-          <ac:cxnSpMkLst>
-            <pc:docMk/>
-            <pc:sldMk cId="721748103" sldId="262"/>
-            <ac:cxnSpMk id="25" creationId="{D891E407-403B-4764-86C9-33A56D3BCAA3}"/>
-          </ac:cxnSpMkLst>
-        </pc:cxnChg>
-        <pc:cxnChg chg="add del">
-          <ac:chgData name="Hugo Paula" userId="ea3b8808-58fe-4fde-bf79-dea1702d2ab3" providerId="ADAL" clId="{44247CD9-23E6-4312-A327-57D54A55DCD7}" dt="2019-08-13T18:43:58.687" v="182" actId="26606"/>
-          <ac:cxnSpMkLst>
-            <pc:docMk/>
-            <pc:sldMk cId="721748103" sldId="262"/>
-            <ac:cxnSpMk id="28" creationId="{624D17C8-E9C2-48A4-AA36-D7048A6CCC41}"/>
-          </ac:cxnSpMkLst>
-        </pc:cxnChg>
-      </pc:sldChg>
-      <pc:sldChg chg="addSp delSp modSp add mod setBg setClrOvrMap">
-        <pc:chgData name="Hugo Paula" userId="ea3b8808-58fe-4fde-bf79-dea1702d2ab3" providerId="ADAL" clId="{44247CD9-23E6-4312-A327-57D54A55DCD7}" dt="2019-08-13T18:48:35.638" v="237" actId="1037"/>
-        <pc:sldMkLst>
-          <pc:docMk/>
-          <pc:sldMk cId="334346411" sldId="263"/>
-        </pc:sldMkLst>
-        <pc:spChg chg="mod ord">
-          <ac:chgData name="Hugo Paula" userId="ea3b8808-58fe-4fde-bf79-dea1702d2ab3" providerId="ADAL" clId="{44247CD9-23E6-4312-A327-57D54A55DCD7}" dt="2019-08-13T18:48:11.499" v="205" actId="26606"/>
-          <ac:spMkLst>
-            <pc:docMk/>
-            <pc:sldMk cId="334346411" sldId="263"/>
-            <ac:spMk id="2" creationId="{739D779A-3F76-4632-856C-111CF9EEE040}"/>
-          </ac:spMkLst>
-        </pc:spChg>
-        <pc:spChg chg="add del">
-          <ac:chgData name="Hugo Paula" userId="ea3b8808-58fe-4fde-bf79-dea1702d2ab3" providerId="ADAL" clId="{44247CD9-23E6-4312-A327-57D54A55DCD7}" dt="2019-08-13T18:48:07.738" v="202"/>
-          <ac:spMkLst>
-            <pc:docMk/>
-            <pc:sldMk cId="334346411" sldId="263"/>
-            <ac:spMk id="3" creationId="{C8AB155E-4BA4-40F4-A119-13418DD4220B}"/>
-          </ac:spMkLst>
-        </pc:spChg>
-        <pc:spChg chg="add del mod">
-          <ac:chgData name="Hugo Paula" userId="ea3b8808-58fe-4fde-bf79-dea1702d2ab3" providerId="ADAL" clId="{44247CD9-23E6-4312-A327-57D54A55DCD7}" dt="2019-08-13T18:46:59.391" v="201" actId="931"/>
-          <ac:spMkLst>
-            <pc:docMk/>
-            <pc:sldMk cId="334346411" sldId="263"/>
-            <ac:spMk id="6" creationId="{05BA2D9D-076A-483C-9605-0EE9EEA3A8E2}"/>
-          </ac:spMkLst>
-        </pc:spChg>
-        <pc:spChg chg="add mod">
-          <ac:chgData name="Hugo Paula" userId="ea3b8808-58fe-4fde-bf79-dea1702d2ab3" providerId="ADAL" clId="{44247CD9-23E6-4312-A327-57D54A55DCD7}" dt="2019-08-13T18:48:35.638" v="237" actId="1037"/>
-          <ac:spMkLst>
-            <pc:docMk/>
-            <pc:sldMk cId="334346411" sldId="263"/>
-            <ac:spMk id="9" creationId="{D71D005A-4C5B-4FAD-8CA7-2D2E61B1F3E7}"/>
-          </ac:spMkLst>
-        </pc:spChg>
-        <pc:spChg chg="add">
-          <ac:chgData name="Hugo Paula" userId="ea3b8808-58fe-4fde-bf79-dea1702d2ab3" providerId="ADAL" clId="{44247CD9-23E6-4312-A327-57D54A55DCD7}" dt="2019-08-13T18:48:11.499" v="205" actId="26606"/>
-          <ac:spMkLst>
-            <pc:docMk/>
-            <pc:sldMk cId="334346411" sldId="263"/>
-            <ac:spMk id="13" creationId="{71B2258F-86CA-4D4D-8270-BC05FCDEBFB3}"/>
-          </ac:spMkLst>
-        </pc:spChg>
-        <pc:picChg chg="add del mod">
-          <ac:chgData name="Hugo Paula" userId="ea3b8808-58fe-4fde-bf79-dea1702d2ab3" providerId="ADAL" clId="{44247CD9-23E6-4312-A327-57D54A55DCD7}" dt="2019-08-13T18:46:59.391" v="201" actId="931"/>
-          <ac:picMkLst>
-            <pc:docMk/>
-            <pc:sldMk cId="334346411" sldId="263"/>
-            <ac:picMk id="5" creationId="{722E7914-D4A4-428C-AF80-59D84EE88EA8}"/>
-          </ac:picMkLst>
-        </pc:picChg>
-        <pc:picChg chg="add mod">
-          <ac:chgData name="Hugo Paula" userId="ea3b8808-58fe-4fde-bf79-dea1702d2ab3" providerId="ADAL" clId="{44247CD9-23E6-4312-A327-57D54A55DCD7}" dt="2019-08-13T18:48:11.499" v="205" actId="26606"/>
-          <ac:picMkLst>
-            <pc:docMk/>
-            <pc:sldMk cId="334346411" sldId="263"/>
-            <ac:picMk id="8" creationId="{69AD114F-2A52-4E67-8AA5-83CDA098121E}"/>
-          </ac:picMkLst>
-        </pc:picChg>
-      </pc:sldChg>
-      <pc:sldChg chg="addSp delSp modSp add mod setBg setClrOvrMap">
-        <pc:chgData name="Hugo Paula" userId="ea3b8808-58fe-4fde-bf79-dea1702d2ab3" providerId="ADAL" clId="{44247CD9-23E6-4312-A327-57D54A55DCD7}" dt="2019-08-13T18:59:28.569" v="343" actId="26606"/>
-        <pc:sldMkLst>
-          <pc:docMk/>
-          <pc:sldMk cId="3081371082" sldId="264"/>
-        </pc:sldMkLst>
-        <pc:spChg chg="mod ord">
-          <ac:chgData name="Hugo Paula" userId="ea3b8808-58fe-4fde-bf79-dea1702d2ab3" providerId="ADAL" clId="{44247CD9-23E6-4312-A327-57D54A55DCD7}" dt="2019-08-13T18:59:28.569" v="343" actId="26606"/>
-          <ac:spMkLst>
-            <pc:docMk/>
-            <pc:sldMk cId="3081371082" sldId="264"/>
-            <ac:spMk id="2" creationId="{118D22E6-21A5-46F5-9DF9-B92BB06F6D96}"/>
-          </ac:spMkLst>
-        </pc:spChg>
-        <pc:spChg chg="del">
-          <ac:chgData name="Hugo Paula" userId="ea3b8808-58fe-4fde-bf79-dea1702d2ab3" providerId="ADAL" clId="{44247CD9-23E6-4312-A327-57D54A55DCD7}" dt="2019-08-13T18:59:25.404" v="340"/>
-          <ac:spMkLst>
-            <pc:docMk/>
-            <pc:sldMk cId="3081371082" sldId="264"/>
-            <ac:spMk id="3" creationId="{57C667EE-C64B-4028-8966-F261555ED82A}"/>
-          </ac:spMkLst>
-        </pc:spChg>
-        <pc:spChg chg="add del">
-          <ac:chgData name="Hugo Paula" userId="ea3b8808-58fe-4fde-bf79-dea1702d2ab3" providerId="ADAL" clId="{44247CD9-23E6-4312-A327-57D54A55DCD7}" dt="2019-08-13T18:59:09.071" v="339"/>
-          <ac:spMkLst>
-            <pc:docMk/>
-            <pc:sldMk cId="3081371082" sldId="264"/>
-            <ac:spMk id="4" creationId="{D94D6B54-67DB-463C-8B9E-6AD4DACE443D}"/>
-          </ac:spMkLst>
-        </pc:spChg>
-        <pc:spChg chg="add">
-          <ac:chgData name="Hugo Paula" userId="ea3b8808-58fe-4fde-bf79-dea1702d2ab3" providerId="ADAL" clId="{44247CD9-23E6-4312-A327-57D54A55DCD7}" dt="2019-08-13T18:59:28.569" v="343" actId="26606"/>
-          <ac:spMkLst>
-            <pc:docMk/>
-            <pc:sldMk cId="3081371082" sldId="264"/>
-            <ac:spMk id="11" creationId="{71B2258F-86CA-4D4D-8270-BC05FCDEBFB3}"/>
-          </ac:spMkLst>
-        </pc:spChg>
-        <pc:picChg chg="add mod">
-          <ac:chgData name="Hugo Paula" userId="ea3b8808-58fe-4fde-bf79-dea1702d2ab3" providerId="ADAL" clId="{44247CD9-23E6-4312-A327-57D54A55DCD7}" dt="2019-08-13T18:59:28.569" v="343" actId="26606"/>
-          <ac:picMkLst>
-            <pc:docMk/>
-            <pc:sldMk cId="3081371082" sldId="264"/>
-            <ac:picMk id="6" creationId="{47E28149-AB93-4F7E-AE91-B94A8429E0A6}"/>
-          </ac:picMkLst>
-        </pc:picChg>
-      </pc:sldChg>
-      <pc:sldChg chg="addSp delSp modSp add mod setBg setClrOvrMap">
-        <pc:chgData name="Hugo Paula" userId="ea3b8808-58fe-4fde-bf79-dea1702d2ab3" providerId="ADAL" clId="{44247CD9-23E6-4312-A327-57D54A55DCD7}" dt="2019-08-13T19:03:55.147" v="610" actId="20577"/>
-        <pc:sldMkLst>
-          <pc:docMk/>
-          <pc:sldMk cId="2452709085" sldId="265"/>
-        </pc:sldMkLst>
-        <pc:spChg chg="mod ord">
-          <ac:chgData name="Hugo Paula" userId="ea3b8808-58fe-4fde-bf79-dea1702d2ab3" providerId="ADAL" clId="{44247CD9-23E6-4312-A327-57D54A55DCD7}" dt="2019-08-13T19:03:55.147" v="610" actId="20577"/>
-          <ac:spMkLst>
-            <pc:docMk/>
-            <pc:sldMk cId="2452709085" sldId="265"/>
-            <ac:spMk id="2" creationId="{8450D1F2-C179-42B3-96B4-CE5520C987C6}"/>
-          </ac:spMkLst>
-        </pc:spChg>
-        <pc:spChg chg="del">
-          <ac:chgData name="Hugo Paula" userId="ea3b8808-58fe-4fde-bf79-dea1702d2ab3" providerId="ADAL" clId="{44247CD9-23E6-4312-A327-57D54A55DCD7}" dt="2019-08-13T18:44:32.518" v="186" actId="931"/>
-          <ac:spMkLst>
-            <pc:docMk/>
-            <pc:sldMk cId="2452709085" sldId="265"/>
-            <ac:spMk id="3" creationId="{8AA10A6B-E8F8-43D1-92B2-73E7FEF47F93}"/>
-          </ac:spMkLst>
-        </pc:spChg>
-        <pc:spChg chg="add">
-          <ac:chgData name="Hugo Paula" userId="ea3b8808-58fe-4fde-bf79-dea1702d2ab3" providerId="ADAL" clId="{44247CD9-23E6-4312-A327-57D54A55DCD7}" dt="2019-08-13T18:44:35.687" v="189" actId="26606"/>
-          <ac:spMkLst>
-            <pc:docMk/>
-            <pc:sldMk cId="2452709085" sldId="265"/>
-            <ac:spMk id="10" creationId="{71B2258F-86CA-4D4D-8270-BC05FCDEBFB3}"/>
-          </ac:spMkLst>
-        </pc:spChg>
-        <pc:picChg chg="add mod">
-          <ac:chgData name="Hugo Paula" userId="ea3b8808-58fe-4fde-bf79-dea1702d2ab3" providerId="ADAL" clId="{44247CD9-23E6-4312-A327-57D54A55DCD7}" dt="2019-08-13T18:44:35.687" v="189" actId="26606"/>
-          <ac:picMkLst>
-            <pc:docMk/>
-            <pc:sldMk cId="2452709085" sldId="265"/>
-            <ac:picMk id="5" creationId="{AC05C6D1-0DFE-4566-870C-C567D3FC7ECD}"/>
-          </ac:picMkLst>
-        </pc:picChg>
-      </pc:sldChg>
-      <pc:sldChg chg="addSp delSp modSp add mod setBg setClrOvrMap">
-        <pc:chgData name="Hugo Paula" userId="ea3b8808-58fe-4fde-bf79-dea1702d2ab3" providerId="ADAL" clId="{44247CD9-23E6-4312-A327-57D54A55DCD7}" dt="2019-08-13T18:55:19.014" v="337" actId="26606"/>
-        <pc:sldMkLst>
-          <pc:docMk/>
-          <pc:sldMk cId="840580429" sldId="266"/>
-        </pc:sldMkLst>
-        <pc:spChg chg="mod">
-          <ac:chgData name="Hugo Paula" userId="ea3b8808-58fe-4fde-bf79-dea1702d2ab3" providerId="ADAL" clId="{44247CD9-23E6-4312-A327-57D54A55DCD7}" dt="2019-08-13T18:55:19.014" v="337" actId="26606"/>
-          <ac:spMkLst>
-            <pc:docMk/>
-            <pc:sldMk cId="840580429" sldId="266"/>
-            <ac:spMk id="2" creationId="{A4276225-561F-4026-93D2-30898D1CB2EF}"/>
-          </ac:spMkLst>
-        </pc:spChg>
-        <pc:spChg chg="del mod">
-          <ac:chgData name="Hugo Paula" userId="ea3b8808-58fe-4fde-bf79-dea1702d2ab3" providerId="ADAL" clId="{44247CD9-23E6-4312-A327-57D54A55DCD7}" dt="2019-08-13T18:55:19.014" v="337" actId="26606"/>
-          <ac:spMkLst>
-            <pc:docMk/>
-            <pc:sldMk cId="840580429" sldId="266"/>
-            <ac:spMk id="3" creationId="{7ADCA70E-7011-43E3-ABA9-3F0A6B8D01E8}"/>
-          </ac:spMkLst>
-        </pc:spChg>
-        <pc:graphicFrameChg chg="add">
-          <ac:chgData name="Hugo Paula" userId="ea3b8808-58fe-4fde-bf79-dea1702d2ab3" providerId="ADAL" clId="{44247CD9-23E6-4312-A327-57D54A55DCD7}" dt="2019-08-13T18:55:19.014" v="337" actId="26606"/>
-          <ac:graphicFrameMkLst>
-            <pc:docMk/>
-            <pc:sldMk cId="840580429" sldId="266"/>
-            <ac:graphicFrameMk id="5" creationId="{08458555-9731-473B-8BB6-F0C61C025FA3}"/>
-          </ac:graphicFrameMkLst>
-        </pc:graphicFrameChg>
-      </pc:sldChg>
-      <pc:sldChg chg="modSp add">
-        <pc:chgData name="Hugo Paula" userId="ea3b8808-58fe-4fde-bf79-dea1702d2ab3" providerId="ADAL" clId="{44247CD9-23E6-4312-A327-57D54A55DCD7}" dt="2019-08-13T19:03:31.309" v="602" actId="20577"/>
-        <pc:sldMkLst>
-          <pc:docMk/>
-          <pc:sldMk cId="3028835910" sldId="267"/>
-        </pc:sldMkLst>
-        <pc:spChg chg="mod">
-          <ac:chgData name="Hugo Paula" userId="ea3b8808-58fe-4fde-bf79-dea1702d2ab3" providerId="ADAL" clId="{44247CD9-23E6-4312-A327-57D54A55DCD7}" dt="2019-08-13T18:59:44.230" v="364" actId="20577"/>
-          <ac:spMkLst>
-            <pc:docMk/>
-            <pc:sldMk cId="3028835910" sldId="267"/>
-            <ac:spMk id="2" creationId="{B733E16C-0134-4E7C-8FFC-A21C041A04A4}"/>
-          </ac:spMkLst>
-        </pc:spChg>
-        <pc:spChg chg="mod">
-          <ac:chgData name="Hugo Paula" userId="ea3b8808-58fe-4fde-bf79-dea1702d2ab3" providerId="ADAL" clId="{44247CD9-23E6-4312-A327-57D54A55DCD7}" dt="2019-08-13T19:03:31.309" v="602" actId="20577"/>
-          <ac:spMkLst>
-            <pc:docMk/>
-            <pc:sldMk cId="3028835910" sldId="267"/>
-            <ac:spMk id="3" creationId="{4EDEE87B-35BE-42C3-B5C1-249768514C07}"/>
-          </ac:spMkLst>
-        </pc:spChg>
-      </pc:sldChg>
-      <pc:sldChg chg="addSp delSp modSp add delAnim modAnim">
-        <pc:chgData name="Hugo Paula" userId="ea3b8808-58fe-4fde-bf79-dea1702d2ab3" providerId="ADAL" clId="{44247CD9-23E6-4312-A327-57D54A55DCD7}" dt="2019-08-13T19:17:32.030" v="681" actId="14100"/>
-        <pc:sldMkLst>
-          <pc:docMk/>
-          <pc:sldMk cId="3549903614" sldId="268"/>
-        </pc:sldMkLst>
-        <pc:spChg chg="mod">
-          <ac:chgData name="Hugo Paula" userId="ea3b8808-58fe-4fde-bf79-dea1702d2ab3" providerId="ADAL" clId="{44247CD9-23E6-4312-A327-57D54A55DCD7}" dt="2019-08-13T19:04:20.239" v="631" actId="20577"/>
-          <ac:spMkLst>
-            <pc:docMk/>
-            <pc:sldMk cId="3549903614" sldId="268"/>
-            <ac:spMk id="2" creationId="{D3B6493E-964B-41AC-9BDC-ADFA2043617A}"/>
-          </ac:spMkLst>
-        </pc:spChg>
-        <pc:spChg chg="mod">
-          <ac:chgData name="Hugo Paula" userId="ea3b8808-58fe-4fde-bf79-dea1702d2ab3" providerId="ADAL" clId="{44247CD9-23E6-4312-A327-57D54A55DCD7}" dt="2019-08-13T19:10:06.774" v="672" actId="20577"/>
-          <ac:spMkLst>
-            <pc:docMk/>
-            <pc:sldMk cId="3549903614" sldId="268"/>
-            <ac:spMk id="3" creationId="{2BE3F706-8F9E-496D-A7AD-4F385F1DCCF0}"/>
-          </ac:spMkLst>
-        </pc:spChg>
-        <pc:spChg chg="add mod">
-          <ac:chgData name="Hugo Paula" userId="ea3b8808-58fe-4fde-bf79-dea1702d2ab3" providerId="ADAL" clId="{44247CD9-23E6-4312-A327-57D54A55DCD7}" dt="2019-08-13T19:16:48.862" v="680" actId="1076"/>
-          <ac:spMkLst>
-            <pc:docMk/>
-            <pc:sldMk cId="3549903614" sldId="268"/>
-            <ac:spMk id="5" creationId="{EE6C06AD-3907-49EC-ADB1-7AF65CEE5806}"/>
-          </ac:spMkLst>
-        </pc:spChg>
-        <pc:picChg chg="add del mod">
-          <ac:chgData name="Hugo Paula" userId="ea3b8808-58fe-4fde-bf79-dea1702d2ab3" providerId="ADAL" clId="{44247CD9-23E6-4312-A327-57D54A55DCD7}" dt="2019-08-13T19:16:08.631" v="673" actId="478"/>
-          <ac:picMkLst>
-            <pc:docMk/>
-            <pc:sldMk cId="3549903614" sldId="268"/>
-            <ac:picMk id="4" creationId="{503B1E6F-3A1E-44E7-AF0D-A33153ABF715}"/>
-          </ac:picMkLst>
-        </pc:picChg>
-        <pc:picChg chg="add mod">
-          <ac:chgData name="Hugo Paula" userId="ea3b8808-58fe-4fde-bf79-dea1702d2ab3" providerId="ADAL" clId="{44247CD9-23E6-4312-A327-57D54A55DCD7}" dt="2019-08-13T19:17:32.030" v="681" actId="14100"/>
-          <ac:picMkLst>
-            <pc:docMk/>
-            <pc:sldMk cId="3549903614" sldId="268"/>
-            <ac:picMk id="6" creationId="{8867359D-D3C6-4CF3-8054-38C7084BEDEB}"/>
-          </ac:picMkLst>
-        </pc:picChg>
-      </pc:sldChg>
-    </pc:docChg>
-  </pc:docChgLst>
 </pc:chgInfo>
 </file>
 
@@ -3931,7 +3931,7 @@
           <a:p>
             <a:fld id="{10C0C6F0-2E25-443B-BCD0-89AA4E0EC633}" type="datetimeFigureOut">
               <a:rPr lang="pt-BR" smtClean="0"/>
-              <a:t>24/04/2020</a:t>
+              <a:t>30/10/2024</a:t>
             </a:fld>
             <a:endParaRPr lang="pt-BR"/>
           </a:p>
@@ -4703,7 +4703,7 @@
           <a:p>
             <a:fld id="{10C0C6F0-2E25-443B-BCD0-89AA4E0EC633}" type="datetimeFigureOut">
               <a:rPr lang="pt-BR" smtClean="0"/>
-              <a:t>24/04/2020</a:t>
+              <a:t>30/10/2024</a:t>
             </a:fld>
             <a:endParaRPr lang="pt-BR"/>
           </a:p>
@@ -5321,7 +5321,7 @@
           <a:p>
             <a:fld id="{10C0C6F0-2E25-443B-BCD0-89AA4E0EC633}" type="datetimeFigureOut">
               <a:rPr lang="pt-BR" smtClean="0"/>
-              <a:t>24/04/2020</a:t>
+              <a:t>30/10/2024</a:t>
             </a:fld>
             <a:endParaRPr lang="pt-BR"/>
           </a:p>
@@ -5486,7 +5486,7 @@
           <a:p>
             <a:fld id="{10C0C6F0-2E25-443B-BCD0-89AA4E0EC633}" type="datetimeFigureOut">
               <a:rPr lang="pt-BR" smtClean="0"/>
-              <a:t>24/04/2020</a:t>
+              <a:t>30/10/2024</a:t>
             </a:fld>
             <a:endParaRPr lang="pt-BR"/>
           </a:p>
@@ -5623,7 +5623,7 @@
           <a:p>
             <a:fld id="{10C0C6F0-2E25-443B-BCD0-89AA4E0EC633}" type="datetimeFigureOut">
               <a:rPr lang="pt-BR" smtClean="0"/>
-              <a:t>24/04/2020</a:t>
+              <a:t>30/10/2024</a:t>
             </a:fld>
             <a:endParaRPr lang="pt-BR"/>
           </a:p>
@@ -5958,7 +5958,7 @@
           <a:p>
             <a:fld id="{10C0C6F0-2E25-443B-BCD0-89AA4E0EC633}" type="datetimeFigureOut">
               <a:rPr lang="pt-BR" smtClean="0"/>
-              <a:t>24/04/2020</a:t>
+              <a:t>30/10/2024</a:t>
             </a:fld>
             <a:endParaRPr lang="pt-BR"/>
           </a:p>
@@ -6270,7 +6270,7 @@
           <a:p>
             <a:fld id="{10C0C6F0-2E25-443B-BCD0-89AA4E0EC633}" type="datetimeFigureOut">
               <a:rPr lang="pt-BR" smtClean="0"/>
-              <a:t>24/04/2020</a:t>
+              <a:t>30/10/2024</a:t>
             </a:fld>
             <a:endParaRPr lang="pt-BR"/>
           </a:p>
@@ -6504,7 +6504,7 @@
             <a:effectLst/>
             <a:extLst>
               <a:ext uri="{C572A759-6A51-4108-AA02-DFA0A04FC94B}">
-                <ma14:wrappingTextBoxFlag xmlns:wpc="http://schemas.microsoft.com/office/word/2010/wordprocessingCanvas" xmlns:cx="http://schemas.microsoft.com/office/drawing/2014/chartex" xmlns:cx1="http://schemas.microsoft.com/office/drawing/2015/9/8/chartex" xmlns:cx2="http://schemas.microsoft.com/office/drawing/2015/10/21/chartex" xmlns:cx3="http://schemas.microsoft.com/office/drawing/2016/5/9/chartex" xmlns:cx4="http://schemas.microsoft.com/office/drawing/2016/5/10/chartex" xmlns:cx5="http://schemas.microsoft.com/office/drawing/2016/5/11/chartex" xmlns:cx6="http://schemas.microsoft.com/office/drawing/2016/5/12/chartex" xmlns:cx7="http://schemas.microsoft.com/office/drawing/2016/5/13/chartex" xmlns:cx8="http://schemas.microsoft.com/office/drawing/2016/5/14/chartex" xmlns:mc="http://schemas.openxmlformats.org/markup-compatibility/2006" xmlns:aink="http://schemas.microsoft.com/office/drawing/2016/ink" xmlns:am3d="http://schemas.microsoft.com/office/drawing/2017/model3d" xmlns:m="http://schemas.openxmlformats.org/officeDocument/2006/math" xmlns:wp14="http://schemas.microsoft.com/office/word/2010/wordprocessingDrawing" xmlns:wp="http://schemas.openxmlformats.org/drawingml/2006/wordprocessingDrawing" xmlns:w14="http://schemas.microsoft.com/office/word/2010/wordml" xmlns:w15="http://schemas.microsoft.com/office/word/2012/wordml" xmlns:w16cid="http://schemas.microsoft.com/office/word/2016/wordml/cid" xmlns:w16se="http://schemas.microsoft.com/office/word/2015/wordml/symex" xmlns:wpg="http://schemas.microsoft.com/office/word/2010/wordprocessingGroup" xmlns:wpi="http://schemas.microsoft.com/office/word/2010/wordprocessingInk" xmlns:wne="http://schemas.microsoft.com/office/word/2006/wordml" xmlns:wps="http://schemas.microsoft.com/office/word/2010/wordprocessingShape" xmlns="" xmlns:mo="http://schemas.microsoft.com/office/mac/office/2008/main" xmlns:mv="urn:schemas-microsoft-com:mac:vml" xmlns:o="urn:schemas-microsoft-com:office:office" xmlns:v="urn:schemas-microsoft-com:vml" xmlns:w10="urn:schemas-microsoft-com:office:word" xmlns:w="http://schemas.openxmlformats.org/wordprocessingml/2006/main" xmlns:ma14="http://schemas.microsoft.com/office/mac/drawingml/2011/main" xmlns:a14="http://schemas.microsoft.com/office/drawing/2010/main" xmlns:pic="http://schemas.openxmlformats.org/drawingml/2006/picture" xmlns:lc="http://schemas.openxmlformats.org/drawingml/2006/lockedCanvas"/>
+                <ma14:wrappingTextBoxFlag xmlns:lc="http://schemas.openxmlformats.org/drawingml/2006/lockedCanvas" xmlns:pic="http://schemas.openxmlformats.org/drawingml/2006/picture" xmlns:a14="http://schemas.microsoft.com/office/drawing/2010/main" xmlns:ma14="http://schemas.microsoft.com/office/mac/drawingml/2011/main" xmlns:w="http://schemas.openxmlformats.org/wordprocessingml/2006/main" xmlns:w10="urn:schemas-microsoft-com:office:word" xmlns:v="urn:schemas-microsoft-com:vml" xmlns:o="urn:schemas-microsoft-com:office:office" xmlns:mv="urn:schemas-microsoft-com:mac:vml" xmlns:mo="http://schemas.microsoft.com/office/mac/office/2008/main" xmlns="" xmlns:wps="http://schemas.microsoft.com/office/word/2010/wordprocessingShape" xmlns:wne="http://schemas.microsoft.com/office/word/2006/wordml" xmlns:wpi="http://schemas.microsoft.com/office/word/2010/wordprocessingInk" xmlns:wpg="http://schemas.microsoft.com/office/word/2010/wordprocessingGroup" xmlns:w16se="http://schemas.microsoft.com/office/word/2015/wordml/symex" xmlns:w16cid="http://schemas.microsoft.com/office/word/2016/wordml/cid" xmlns:w15="http://schemas.microsoft.com/office/word/2012/wordml" xmlns:w14="http://schemas.microsoft.com/office/word/2010/wordml" xmlns:wp="http://schemas.openxmlformats.org/drawingml/2006/wordprocessingDrawing" xmlns:wp14="http://schemas.microsoft.com/office/word/2010/wordprocessingDrawing" xmlns:m="http://schemas.openxmlformats.org/officeDocument/2006/math" xmlns:am3d="http://schemas.microsoft.com/office/drawing/2017/model3d" xmlns:aink="http://schemas.microsoft.com/office/drawing/2016/ink" xmlns:mc="http://schemas.openxmlformats.org/markup-compatibility/2006" xmlns:cx8="http://schemas.microsoft.com/office/drawing/2016/5/14/chartex" xmlns:cx7="http://schemas.microsoft.com/office/drawing/2016/5/13/chartex" xmlns:cx6="http://schemas.microsoft.com/office/drawing/2016/5/12/chartex" xmlns:cx5="http://schemas.microsoft.com/office/drawing/2016/5/11/chartex" xmlns:cx4="http://schemas.microsoft.com/office/drawing/2016/5/10/chartex" xmlns:cx3="http://schemas.microsoft.com/office/drawing/2016/5/9/chartex" xmlns:cx2="http://schemas.microsoft.com/office/drawing/2015/10/21/chartex" xmlns:cx1="http://schemas.microsoft.com/office/drawing/2015/9/8/chartex" xmlns:cx="http://schemas.microsoft.com/office/drawing/2014/chartex" xmlns:wpc="http://schemas.microsoft.com/office/word/2010/wordprocessingCanvas"/>
               </a:ext>
             </a:extLst>
           </p:spPr>
@@ -6596,7 +6596,7 @@
             <a:effectLst/>
             <a:extLst>
               <a:ext uri="{AF507438-7753-43e0-B8FC-AC1667EBCBE1}">
-                <a14:hiddenEffects xmlns:wpc="http://schemas.microsoft.com/office/word/2010/wordprocessingCanvas" xmlns:cx="http://schemas.microsoft.com/office/drawing/2014/chartex" xmlns:cx1="http://schemas.microsoft.com/office/drawing/2015/9/8/chartex" xmlns:cx2="http://schemas.microsoft.com/office/drawing/2015/10/21/chartex" xmlns:cx3="http://schemas.microsoft.com/office/drawing/2016/5/9/chartex" xmlns:cx4="http://schemas.microsoft.com/office/drawing/2016/5/10/chartex" xmlns:cx5="http://schemas.microsoft.com/office/drawing/2016/5/11/chartex" xmlns:cx6="http://schemas.microsoft.com/office/drawing/2016/5/12/chartex" xmlns:cx7="http://schemas.microsoft.com/office/drawing/2016/5/13/chartex" xmlns:cx8="http://schemas.microsoft.com/office/drawing/2016/5/14/chartex" xmlns:mc="http://schemas.openxmlformats.org/markup-compatibility/2006" xmlns:aink="http://schemas.microsoft.com/office/drawing/2016/ink" xmlns:am3d="http://schemas.microsoft.com/office/drawing/2017/model3d" xmlns:m="http://schemas.openxmlformats.org/officeDocument/2006/math" xmlns:wp14="http://schemas.microsoft.com/office/word/2010/wordprocessingDrawing" xmlns:wp="http://schemas.openxmlformats.org/drawingml/2006/wordprocessingDrawing" xmlns:w14="http://schemas.microsoft.com/office/word/2010/wordml" xmlns:w15="http://schemas.microsoft.com/office/word/2012/wordml" xmlns:w16cid="http://schemas.microsoft.com/office/word/2016/wordml/cid" xmlns:w16se="http://schemas.microsoft.com/office/word/2015/wordml/symex" xmlns:wpg="http://schemas.microsoft.com/office/word/2010/wordprocessingGroup" xmlns:wpi="http://schemas.microsoft.com/office/word/2010/wordprocessingInk" xmlns:wne="http://schemas.microsoft.com/office/word/2006/wordml" xmlns:wps="http://schemas.microsoft.com/office/word/2010/wordprocessingShape" xmlns="" xmlns:mo="http://schemas.microsoft.com/office/mac/office/2008/main" xmlns:mv="urn:schemas-microsoft-com:mac:vml" xmlns:o="urn:schemas-microsoft-com:office:office" xmlns:v="urn:schemas-microsoft-com:vml" xmlns:w10="urn:schemas-microsoft-com:office:word" xmlns:w="http://schemas.openxmlformats.org/wordprocessingml/2006/main" xmlns:a14="http://schemas.microsoft.com/office/drawing/2010/main" xmlns:ma14="http://schemas.microsoft.com/office/mac/drawingml/2011/main" xmlns:pic="http://schemas.openxmlformats.org/drawingml/2006/picture" xmlns:lc="http://schemas.openxmlformats.org/drawingml/2006/lockedCanvas">
+                <a14:hiddenEffects xmlns:lc="http://schemas.openxmlformats.org/drawingml/2006/lockedCanvas" xmlns:pic="http://schemas.openxmlformats.org/drawingml/2006/picture" xmlns:ma14="http://schemas.microsoft.com/office/mac/drawingml/2011/main" xmlns:a14="http://schemas.microsoft.com/office/drawing/2010/main" xmlns:w="http://schemas.openxmlformats.org/wordprocessingml/2006/main" xmlns:w10="urn:schemas-microsoft-com:office:word" xmlns:v="urn:schemas-microsoft-com:vml" xmlns:o="urn:schemas-microsoft-com:office:office" xmlns:mv="urn:schemas-microsoft-com:mac:vml" xmlns:mo="http://schemas.microsoft.com/office/mac/office/2008/main" xmlns="" xmlns:wps="http://schemas.microsoft.com/office/word/2010/wordprocessingShape" xmlns:wne="http://schemas.microsoft.com/office/word/2006/wordml" xmlns:wpi="http://schemas.microsoft.com/office/word/2010/wordprocessingInk" xmlns:wpg="http://schemas.microsoft.com/office/word/2010/wordprocessingGroup" xmlns:w16se="http://schemas.microsoft.com/office/word/2015/wordml/symex" xmlns:w16cid="http://schemas.microsoft.com/office/word/2016/wordml/cid" xmlns:w15="http://schemas.microsoft.com/office/word/2012/wordml" xmlns:w14="http://schemas.microsoft.com/office/word/2010/wordml" xmlns:wp="http://schemas.openxmlformats.org/drawingml/2006/wordprocessingDrawing" xmlns:wp14="http://schemas.microsoft.com/office/word/2010/wordprocessingDrawing" xmlns:m="http://schemas.openxmlformats.org/officeDocument/2006/math" xmlns:am3d="http://schemas.microsoft.com/office/drawing/2017/model3d" xmlns:aink="http://schemas.microsoft.com/office/drawing/2016/ink" xmlns:mc="http://schemas.openxmlformats.org/markup-compatibility/2006" xmlns:cx8="http://schemas.microsoft.com/office/drawing/2016/5/14/chartex" xmlns:cx7="http://schemas.microsoft.com/office/drawing/2016/5/13/chartex" xmlns:cx6="http://schemas.microsoft.com/office/drawing/2016/5/12/chartex" xmlns:cx5="http://schemas.microsoft.com/office/drawing/2016/5/11/chartex" xmlns:cx4="http://schemas.microsoft.com/office/drawing/2016/5/10/chartex" xmlns:cx3="http://schemas.microsoft.com/office/drawing/2016/5/9/chartex" xmlns:cx2="http://schemas.microsoft.com/office/drawing/2015/10/21/chartex" xmlns:cx1="http://schemas.microsoft.com/office/drawing/2015/9/8/chartex" xmlns:cx="http://schemas.microsoft.com/office/drawing/2014/chartex" xmlns:wpc="http://schemas.microsoft.com/office/word/2010/wordprocessingCanvas">
                   <a:effectLst>
                     <a:outerShdw blurRad="63500" dist="38099" dir="2700000" algn="ctr" rotWithShape="0">
                       <a:schemeClr val="bg2">
@@ -6646,7 +6646,7 @@
             <a:effectLst/>
             <a:extLst>
               <a:ext uri="{AF507438-7753-43e0-B8FC-AC1667EBCBE1}">
-                <a14:hiddenEffects xmlns:wpc="http://schemas.microsoft.com/office/word/2010/wordprocessingCanvas" xmlns:cx="http://schemas.microsoft.com/office/drawing/2014/chartex" xmlns:cx1="http://schemas.microsoft.com/office/drawing/2015/9/8/chartex" xmlns:cx2="http://schemas.microsoft.com/office/drawing/2015/10/21/chartex" xmlns:cx3="http://schemas.microsoft.com/office/drawing/2016/5/9/chartex" xmlns:cx4="http://schemas.microsoft.com/office/drawing/2016/5/10/chartex" xmlns:cx5="http://schemas.microsoft.com/office/drawing/2016/5/11/chartex" xmlns:cx6="http://schemas.microsoft.com/office/drawing/2016/5/12/chartex" xmlns:cx7="http://schemas.microsoft.com/office/drawing/2016/5/13/chartex" xmlns:cx8="http://schemas.microsoft.com/office/drawing/2016/5/14/chartex" xmlns:mc="http://schemas.openxmlformats.org/markup-compatibility/2006" xmlns:aink="http://schemas.microsoft.com/office/drawing/2016/ink" xmlns:am3d="http://schemas.microsoft.com/office/drawing/2017/model3d" xmlns:m="http://schemas.openxmlformats.org/officeDocument/2006/math" xmlns:wp14="http://schemas.microsoft.com/office/word/2010/wordprocessingDrawing" xmlns:wp="http://schemas.openxmlformats.org/drawingml/2006/wordprocessingDrawing" xmlns:w14="http://schemas.microsoft.com/office/word/2010/wordml" xmlns:w15="http://schemas.microsoft.com/office/word/2012/wordml" xmlns:w16cid="http://schemas.microsoft.com/office/word/2016/wordml/cid" xmlns:w16se="http://schemas.microsoft.com/office/word/2015/wordml/symex" xmlns:wpg="http://schemas.microsoft.com/office/word/2010/wordprocessingGroup" xmlns:wpi="http://schemas.microsoft.com/office/word/2010/wordprocessingInk" xmlns:wne="http://schemas.microsoft.com/office/word/2006/wordml" xmlns:wps="http://schemas.microsoft.com/office/word/2010/wordprocessingShape" xmlns="" xmlns:mo="http://schemas.microsoft.com/office/mac/office/2008/main" xmlns:mv="urn:schemas-microsoft-com:mac:vml" xmlns:o="urn:schemas-microsoft-com:office:office" xmlns:v="urn:schemas-microsoft-com:vml" xmlns:w10="urn:schemas-microsoft-com:office:word" xmlns:w="http://schemas.openxmlformats.org/wordprocessingml/2006/main" xmlns:a14="http://schemas.microsoft.com/office/drawing/2010/main" xmlns:ma14="http://schemas.microsoft.com/office/mac/drawingml/2011/main" xmlns:pic="http://schemas.openxmlformats.org/drawingml/2006/picture" xmlns:lc="http://schemas.openxmlformats.org/drawingml/2006/lockedCanvas">
+                <a14:hiddenEffects xmlns:lc="http://schemas.openxmlformats.org/drawingml/2006/lockedCanvas" xmlns:pic="http://schemas.openxmlformats.org/drawingml/2006/picture" xmlns:ma14="http://schemas.microsoft.com/office/mac/drawingml/2011/main" xmlns:a14="http://schemas.microsoft.com/office/drawing/2010/main" xmlns:w="http://schemas.openxmlformats.org/wordprocessingml/2006/main" xmlns:w10="urn:schemas-microsoft-com:office:word" xmlns:v="urn:schemas-microsoft-com:vml" xmlns:o="urn:schemas-microsoft-com:office:office" xmlns:mv="urn:schemas-microsoft-com:mac:vml" xmlns:mo="http://schemas.microsoft.com/office/mac/office/2008/main" xmlns="" xmlns:wps="http://schemas.microsoft.com/office/word/2010/wordprocessingShape" xmlns:wne="http://schemas.microsoft.com/office/word/2006/wordml" xmlns:wpi="http://schemas.microsoft.com/office/word/2010/wordprocessingInk" xmlns:wpg="http://schemas.microsoft.com/office/word/2010/wordprocessingGroup" xmlns:w16se="http://schemas.microsoft.com/office/word/2015/wordml/symex" xmlns:w16cid="http://schemas.microsoft.com/office/word/2016/wordml/cid" xmlns:w15="http://schemas.microsoft.com/office/word/2012/wordml" xmlns:w14="http://schemas.microsoft.com/office/word/2010/wordml" xmlns:wp="http://schemas.openxmlformats.org/drawingml/2006/wordprocessingDrawing" xmlns:wp14="http://schemas.microsoft.com/office/word/2010/wordprocessingDrawing" xmlns:m="http://schemas.openxmlformats.org/officeDocument/2006/math" xmlns:am3d="http://schemas.microsoft.com/office/drawing/2017/model3d" xmlns:aink="http://schemas.microsoft.com/office/drawing/2016/ink" xmlns:mc="http://schemas.openxmlformats.org/markup-compatibility/2006" xmlns:cx8="http://schemas.microsoft.com/office/drawing/2016/5/14/chartex" xmlns:cx7="http://schemas.microsoft.com/office/drawing/2016/5/13/chartex" xmlns:cx6="http://schemas.microsoft.com/office/drawing/2016/5/12/chartex" xmlns:cx5="http://schemas.microsoft.com/office/drawing/2016/5/11/chartex" xmlns:cx4="http://schemas.microsoft.com/office/drawing/2016/5/10/chartex" xmlns:cx3="http://schemas.microsoft.com/office/drawing/2016/5/9/chartex" xmlns:cx2="http://schemas.microsoft.com/office/drawing/2015/10/21/chartex" xmlns:cx1="http://schemas.microsoft.com/office/drawing/2015/9/8/chartex" xmlns:cx="http://schemas.microsoft.com/office/drawing/2014/chartex" xmlns:wpc="http://schemas.microsoft.com/office/word/2010/wordprocessingCanvas">
                   <a:effectLst>
                     <a:outerShdw blurRad="63500" dist="38099" dir="2700000" algn="ctr" rotWithShape="0">
                       <a:schemeClr val="bg2">
@@ -7280,7 +7280,7 @@
             <a:effectLst/>
             <a:extLst>
               <a:ext uri="{C572A759-6A51-4108-AA02-DFA0A04FC94B}">
-                <ma14:wrappingTextBoxFlag xmlns:wpc="http://schemas.microsoft.com/office/word/2010/wordprocessingCanvas" xmlns:cx="http://schemas.microsoft.com/office/drawing/2014/chartex" xmlns:cx1="http://schemas.microsoft.com/office/drawing/2015/9/8/chartex" xmlns:cx2="http://schemas.microsoft.com/office/drawing/2015/10/21/chartex" xmlns:cx3="http://schemas.microsoft.com/office/drawing/2016/5/9/chartex" xmlns:cx4="http://schemas.microsoft.com/office/drawing/2016/5/10/chartex" xmlns:cx5="http://schemas.microsoft.com/office/drawing/2016/5/11/chartex" xmlns:cx6="http://schemas.microsoft.com/office/drawing/2016/5/12/chartex" xmlns:cx7="http://schemas.microsoft.com/office/drawing/2016/5/13/chartex" xmlns:cx8="http://schemas.microsoft.com/office/drawing/2016/5/14/chartex" xmlns:mc="http://schemas.openxmlformats.org/markup-compatibility/2006" xmlns:aink="http://schemas.microsoft.com/office/drawing/2016/ink" xmlns:am3d="http://schemas.microsoft.com/office/drawing/2017/model3d" xmlns:m="http://schemas.openxmlformats.org/officeDocument/2006/math" xmlns:wp14="http://schemas.microsoft.com/office/word/2010/wordprocessingDrawing" xmlns:wp="http://schemas.openxmlformats.org/drawingml/2006/wordprocessingDrawing" xmlns:w14="http://schemas.microsoft.com/office/word/2010/wordml" xmlns:w15="http://schemas.microsoft.com/office/word/2012/wordml" xmlns:w16cid="http://schemas.microsoft.com/office/word/2016/wordml/cid" xmlns:w16se="http://schemas.microsoft.com/office/word/2015/wordml/symex" xmlns:wpg="http://schemas.microsoft.com/office/word/2010/wordprocessingGroup" xmlns:wpi="http://schemas.microsoft.com/office/word/2010/wordprocessingInk" xmlns:wne="http://schemas.microsoft.com/office/word/2006/wordml" xmlns:wps="http://schemas.microsoft.com/office/word/2010/wordprocessingShape" xmlns="" xmlns:mo="http://schemas.microsoft.com/office/mac/office/2008/main" xmlns:mv="urn:schemas-microsoft-com:mac:vml" xmlns:o="urn:schemas-microsoft-com:office:office" xmlns:v="urn:schemas-microsoft-com:vml" xmlns:w10="urn:schemas-microsoft-com:office:word" xmlns:w="http://schemas.openxmlformats.org/wordprocessingml/2006/main" xmlns:ma14="http://schemas.microsoft.com/office/mac/drawingml/2011/main" xmlns:a14="http://schemas.microsoft.com/office/drawing/2010/main" xmlns:pic="http://schemas.openxmlformats.org/drawingml/2006/picture" xmlns:lc="http://schemas.openxmlformats.org/drawingml/2006/lockedCanvas"/>
+                <ma14:wrappingTextBoxFlag xmlns:lc="http://schemas.openxmlformats.org/drawingml/2006/lockedCanvas" xmlns:pic="http://schemas.openxmlformats.org/drawingml/2006/picture" xmlns:a14="http://schemas.microsoft.com/office/drawing/2010/main" xmlns:ma14="http://schemas.microsoft.com/office/mac/drawingml/2011/main" xmlns:w="http://schemas.openxmlformats.org/wordprocessingml/2006/main" xmlns:w10="urn:schemas-microsoft-com:office:word" xmlns:v="urn:schemas-microsoft-com:vml" xmlns:o="urn:schemas-microsoft-com:office:office" xmlns:mv="urn:schemas-microsoft-com:mac:vml" xmlns:mo="http://schemas.microsoft.com/office/mac/office/2008/main" xmlns="" xmlns:wps="http://schemas.microsoft.com/office/word/2010/wordprocessingShape" xmlns:wne="http://schemas.microsoft.com/office/word/2006/wordml" xmlns:wpi="http://schemas.microsoft.com/office/word/2010/wordprocessingInk" xmlns:wpg="http://schemas.microsoft.com/office/word/2010/wordprocessingGroup" xmlns:w16se="http://schemas.microsoft.com/office/word/2015/wordml/symex" xmlns:w16cid="http://schemas.microsoft.com/office/word/2016/wordml/cid" xmlns:w15="http://schemas.microsoft.com/office/word/2012/wordml" xmlns:w14="http://schemas.microsoft.com/office/word/2010/wordml" xmlns:wp="http://schemas.openxmlformats.org/drawingml/2006/wordprocessingDrawing" xmlns:wp14="http://schemas.microsoft.com/office/word/2010/wordprocessingDrawing" xmlns:m="http://schemas.openxmlformats.org/officeDocument/2006/math" xmlns:am3d="http://schemas.microsoft.com/office/drawing/2017/model3d" xmlns:aink="http://schemas.microsoft.com/office/drawing/2016/ink" xmlns:mc="http://schemas.openxmlformats.org/markup-compatibility/2006" xmlns:cx8="http://schemas.microsoft.com/office/drawing/2016/5/14/chartex" xmlns:cx7="http://schemas.microsoft.com/office/drawing/2016/5/13/chartex" xmlns:cx6="http://schemas.microsoft.com/office/drawing/2016/5/12/chartex" xmlns:cx5="http://schemas.microsoft.com/office/drawing/2016/5/11/chartex" xmlns:cx4="http://schemas.microsoft.com/office/drawing/2016/5/10/chartex" xmlns:cx3="http://schemas.microsoft.com/office/drawing/2016/5/9/chartex" xmlns:cx2="http://schemas.microsoft.com/office/drawing/2015/10/21/chartex" xmlns:cx1="http://schemas.microsoft.com/office/drawing/2015/9/8/chartex" xmlns:cx="http://schemas.microsoft.com/office/drawing/2014/chartex" xmlns:wpc="http://schemas.microsoft.com/office/word/2010/wordprocessingCanvas"/>
               </a:ext>
             </a:extLst>
           </p:spPr>
@@ -7372,7 +7372,7 @@
             <a:effectLst/>
             <a:extLst>
               <a:ext uri="{AF507438-7753-43e0-B8FC-AC1667EBCBE1}">
-                <a14:hiddenEffects xmlns:wpc="http://schemas.microsoft.com/office/word/2010/wordprocessingCanvas" xmlns:cx="http://schemas.microsoft.com/office/drawing/2014/chartex" xmlns:cx1="http://schemas.microsoft.com/office/drawing/2015/9/8/chartex" xmlns:cx2="http://schemas.microsoft.com/office/drawing/2015/10/21/chartex" xmlns:cx3="http://schemas.microsoft.com/office/drawing/2016/5/9/chartex" xmlns:cx4="http://schemas.microsoft.com/office/drawing/2016/5/10/chartex" xmlns:cx5="http://schemas.microsoft.com/office/drawing/2016/5/11/chartex" xmlns:cx6="http://schemas.microsoft.com/office/drawing/2016/5/12/chartex" xmlns:cx7="http://schemas.microsoft.com/office/drawing/2016/5/13/chartex" xmlns:cx8="http://schemas.microsoft.com/office/drawing/2016/5/14/chartex" xmlns:mc="http://schemas.openxmlformats.org/markup-compatibility/2006" xmlns:aink="http://schemas.microsoft.com/office/drawing/2016/ink" xmlns:am3d="http://schemas.microsoft.com/office/drawing/2017/model3d" xmlns:m="http://schemas.openxmlformats.org/officeDocument/2006/math" xmlns:wp14="http://schemas.microsoft.com/office/word/2010/wordprocessingDrawing" xmlns:wp="http://schemas.openxmlformats.org/drawingml/2006/wordprocessingDrawing" xmlns:w14="http://schemas.microsoft.com/office/word/2010/wordml" xmlns:w15="http://schemas.microsoft.com/office/word/2012/wordml" xmlns:w16cid="http://schemas.microsoft.com/office/word/2016/wordml/cid" xmlns:w16se="http://schemas.microsoft.com/office/word/2015/wordml/symex" xmlns:wpg="http://schemas.microsoft.com/office/word/2010/wordprocessingGroup" xmlns:wpi="http://schemas.microsoft.com/office/word/2010/wordprocessingInk" xmlns:wne="http://schemas.microsoft.com/office/word/2006/wordml" xmlns:wps="http://schemas.microsoft.com/office/word/2010/wordprocessingShape" xmlns="" xmlns:mo="http://schemas.microsoft.com/office/mac/office/2008/main" xmlns:mv="urn:schemas-microsoft-com:mac:vml" xmlns:o="urn:schemas-microsoft-com:office:office" xmlns:v="urn:schemas-microsoft-com:vml" xmlns:w10="urn:schemas-microsoft-com:office:word" xmlns:w="http://schemas.openxmlformats.org/wordprocessingml/2006/main" xmlns:a14="http://schemas.microsoft.com/office/drawing/2010/main" xmlns:ma14="http://schemas.microsoft.com/office/mac/drawingml/2011/main" xmlns:pic="http://schemas.openxmlformats.org/drawingml/2006/picture" xmlns:lc="http://schemas.openxmlformats.org/drawingml/2006/lockedCanvas">
+                <a14:hiddenEffects xmlns:lc="http://schemas.openxmlformats.org/drawingml/2006/lockedCanvas" xmlns:pic="http://schemas.openxmlformats.org/drawingml/2006/picture" xmlns:ma14="http://schemas.microsoft.com/office/mac/drawingml/2011/main" xmlns:a14="http://schemas.microsoft.com/office/drawing/2010/main" xmlns:w="http://schemas.openxmlformats.org/wordprocessingml/2006/main" xmlns:w10="urn:schemas-microsoft-com:office:word" xmlns:v="urn:schemas-microsoft-com:vml" xmlns:o="urn:schemas-microsoft-com:office:office" xmlns:mv="urn:schemas-microsoft-com:mac:vml" xmlns:mo="http://schemas.microsoft.com/office/mac/office/2008/main" xmlns="" xmlns:wps="http://schemas.microsoft.com/office/word/2010/wordprocessingShape" xmlns:wne="http://schemas.microsoft.com/office/word/2006/wordml" xmlns:wpi="http://schemas.microsoft.com/office/word/2010/wordprocessingInk" xmlns:wpg="http://schemas.microsoft.com/office/word/2010/wordprocessingGroup" xmlns:w16se="http://schemas.microsoft.com/office/word/2015/wordml/symex" xmlns:w16cid="http://schemas.microsoft.com/office/word/2016/wordml/cid" xmlns:w15="http://schemas.microsoft.com/office/word/2012/wordml" xmlns:w14="http://schemas.microsoft.com/office/word/2010/wordml" xmlns:wp="http://schemas.openxmlformats.org/drawingml/2006/wordprocessingDrawing" xmlns:wp14="http://schemas.microsoft.com/office/word/2010/wordprocessingDrawing" xmlns:m="http://schemas.openxmlformats.org/officeDocument/2006/math" xmlns:am3d="http://schemas.microsoft.com/office/drawing/2017/model3d" xmlns:aink="http://schemas.microsoft.com/office/drawing/2016/ink" xmlns:mc="http://schemas.openxmlformats.org/markup-compatibility/2006" xmlns:cx8="http://schemas.microsoft.com/office/drawing/2016/5/14/chartex" xmlns:cx7="http://schemas.microsoft.com/office/drawing/2016/5/13/chartex" xmlns:cx6="http://schemas.microsoft.com/office/drawing/2016/5/12/chartex" xmlns:cx5="http://schemas.microsoft.com/office/drawing/2016/5/11/chartex" xmlns:cx4="http://schemas.microsoft.com/office/drawing/2016/5/10/chartex" xmlns:cx3="http://schemas.microsoft.com/office/drawing/2016/5/9/chartex" xmlns:cx2="http://schemas.microsoft.com/office/drawing/2015/10/21/chartex" xmlns:cx1="http://schemas.microsoft.com/office/drawing/2015/9/8/chartex" xmlns:cx="http://schemas.microsoft.com/office/drawing/2014/chartex" xmlns:wpc="http://schemas.microsoft.com/office/word/2010/wordprocessingCanvas">
                   <a:effectLst>
                     <a:outerShdw blurRad="63500" dist="38099" dir="2700000" algn="ctr" rotWithShape="0">
                       <a:schemeClr val="bg2">
@@ -7422,7 +7422,7 @@
             <a:effectLst/>
             <a:extLst>
               <a:ext uri="{AF507438-7753-43e0-B8FC-AC1667EBCBE1}">
-                <a14:hiddenEffects xmlns:wpc="http://schemas.microsoft.com/office/word/2010/wordprocessingCanvas" xmlns:cx="http://schemas.microsoft.com/office/drawing/2014/chartex" xmlns:cx1="http://schemas.microsoft.com/office/drawing/2015/9/8/chartex" xmlns:cx2="http://schemas.microsoft.com/office/drawing/2015/10/21/chartex" xmlns:cx3="http://schemas.microsoft.com/office/drawing/2016/5/9/chartex" xmlns:cx4="http://schemas.microsoft.com/office/drawing/2016/5/10/chartex" xmlns:cx5="http://schemas.microsoft.com/office/drawing/2016/5/11/chartex" xmlns:cx6="http://schemas.microsoft.com/office/drawing/2016/5/12/chartex" xmlns:cx7="http://schemas.microsoft.com/office/drawing/2016/5/13/chartex" xmlns:cx8="http://schemas.microsoft.com/office/drawing/2016/5/14/chartex" xmlns:mc="http://schemas.openxmlformats.org/markup-compatibility/2006" xmlns:aink="http://schemas.microsoft.com/office/drawing/2016/ink" xmlns:am3d="http://schemas.microsoft.com/office/drawing/2017/model3d" xmlns:m="http://schemas.openxmlformats.org/officeDocument/2006/math" xmlns:wp14="http://schemas.microsoft.com/office/word/2010/wordprocessingDrawing" xmlns:wp="http://schemas.openxmlformats.org/drawingml/2006/wordprocessingDrawing" xmlns:w14="http://schemas.microsoft.com/office/word/2010/wordml" xmlns:w15="http://schemas.microsoft.com/office/word/2012/wordml" xmlns:w16cid="http://schemas.microsoft.com/office/word/2016/wordml/cid" xmlns:w16se="http://schemas.microsoft.com/office/word/2015/wordml/symex" xmlns:wpg="http://schemas.microsoft.com/office/word/2010/wordprocessingGroup" xmlns:wpi="http://schemas.microsoft.com/office/word/2010/wordprocessingInk" xmlns:wne="http://schemas.microsoft.com/office/word/2006/wordml" xmlns:wps="http://schemas.microsoft.com/office/word/2010/wordprocessingShape" xmlns="" xmlns:mo="http://schemas.microsoft.com/office/mac/office/2008/main" xmlns:mv="urn:schemas-microsoft-com:mac:vml" xmlns:o="urn:schemas-microsoft-com:office:office" xmlns:v="urn:schemas-microsoft-com:vml" xmlns:w10="urn:schemas-microsoft-com:office:word" xmlns:w="http://schemas.openxmlformats.org/wordprocessingml/2006/main" xmlns:a14="http://schemas.microsoft.com/office/drawing/2010/main" xmlns:ma14="http://schemas.microsoft.com/office/mac/drawingml/2011/main" xmlns:pic="http://schemas.openxmlformats.org/drawingml/2006/picture" xmlns:lc="http://schemas.openxmlformats.org/drawingml/2006/lockedCanvas">
+                <a14:hiddenEffects xmlns:lc="http://schemas.openxmlformats.org/drawingml/2006/lockedCanvas" xmlns:pic="http://schemas.openxmlformats.org/drawingml/2006/picture" xmlns:ma14="http://schemas.microsoft.com/office/mac/drawingml/2011/main" xmlns:a14="http://schemas.microsoft.com/office/drawing/2010/main" xmlns:w="http://schemas.openxmlformats.org/wordprocessingml/2006/main" xmlns:w10="urn:schemas-microsoft-com:office:word" xmlns:v="urn:schemas-microsoft-com:vml" xmlns:o="urn:schemas-microsoft-com:office:office" xmlns:mv="urn:schemas-microsoft-com:mac:vml" xmlns:mo="http://schemas.microsoft.com/office/mac/office/2008/main" xmlns="" xmlns:wps="http://schemas.microsoft.com/office/word/2010/wordprocessingShape" xmlns:wne="http://schemas.microsoft.com/office/word/2006/wordml" xmlns:wpi="http://schemas.microsoft.com/office/word/2010/wordprocessingInk" xmlns:wpg="http://schemas.microsoft.com/office/word/2010/wordprocessingGroup" xmlns:w16se="http://schemas.microsoft.com/office/word/2015/wordml/symex" xmlns:w16cid="http://schemas.microsoft.com/office/word/2016/wordml/cid" xmlns:w15="http://schemas.microsoft.com/office/word/2012/wordml" xmlns:w14="http://schemas.microsoft.com/office/word/2010/wordml" xmlns:wp="http://schemas.openxmlformats.org/drawingml/2006/wordprocessingDrawing" xmlns:wp14="http://schemas.microsoft.com/office/word/2010/wordprocessingDrawing" xmlns:m="http://schemas.openxmlformats.org/officeDocument/2006/math" xmlns:am3d="http://schemas.microsoft.com/office/drawing/2017/model3d" xmlns:aink="http://schemas.microsoft.com/office/drawing/2016/ink" xmlns:mc="http://schemas.openxmlformats.org/markup-compatibility/2006" xmlns:cx8="http://schemas.microsoft.com/office/drawing/2016/5/14/chartex" xmlns:cx7="http://schemas.microsoft.com/office/drawing/2016/5/13/chartex" xmlns:cx6="http://schemas.microsoft.com/office/drawing/2016/5/12/chartex" xmlns:cx5="http://schemas.microsoft.com/office/drawing/2016/5/11/chartex" xmlns:cx4="http://schemas.microsoft.com/office/drawing/2016/5/10/chartex" xmlns:cx3="http://schemas.microsoft.com/office/drawing/2016/5/9/chartex" xmlns:cx2="http://schemas.microsoft.com/office/drawing/2015/10/21/chartex" xmlns:cx1="http://schemas.microsoft.com/office/drawing/2015/9/8/chartex" xmlns:cx="http://schemas.microsoft.com/office/drawing/2014/chartex" xmlns:wpc="http://schemas.microsoft.com/office/word/2010/wordprocessingCanvas">
                   <a:effectLst>
                     <a:outerShdw blurRad="63500" dist="38099" dir="2700000" algn="ctr" rotWithShape="0">
                       <a:schemeClr val="bg2">
@@ -8076,7 +8076,7 @@
         <p:spPr/>
         <p:txBody>
           <a:bodyPr>
-            <a:normAutofit fontScale="92500" lnSpcReduction="10000"/>
+            <a:normAutofit fontScale="92500" lnSpcReduction="20000"/>
           </a:bodyPr>
           <a:lstStyle/>
           <a:p>
@@ -8265,7 +8265,42 @@
               <a:rPr lang="pt-BR" sz="2400" dirty="0">
                 <a:latin typeface="Lucida Console" panose="020B0609040504020204" pitchFamily="49" charset="0"/>
               </a:rPr>
-              <a:t>=%ANDROID_HOME% "build-tools;29.0.3"</a:t>
+              <a:t>=%ANDROID_HOME% "build-tools;30.0.3"</a:t>
+            </a:r>
+          </a:p>
+          <a:p>
+            <a:pPr marL="0" indent="0">
+              <a:lnSpc>
+                <a:spcPct val="100000"/>
+              </a:lnSpc>
+              <a:buNone/>
+            </a:pPr>
+            <a:r>
+              <a:rPr lang="pt-BR" sz="2400" dirty="0" err="1">
+                <a:solidFill>
+                  <a:srgbClr val="0070C0"/>
+                </a:solidFill>
+                <a:latin typeface="Lucida Console" panose="020B0609040504020204" pitchFamily="49" charset="0"/>
+              </a:rPr>
+              <a:t>sdkmanager</a:t>
+            </a:r>
+            <a:r>
+              <a:rPr lang="pt-BR" sz="2400" dirty="0">
+                <a:latin typeface="Lucida Console" panose="020B0609040504020204" pitchFamily="49" charset="0"/>
+              </a:rPr>
+              <a:t> --</a:t>
+            </a:r>
+            <a:r>
+              <a:rPr lang="pt-BR" sz="2400" dirty="0" err="1">
+                <a:latin typeface="Lucida Console" panose="020B0609040504020204" pitchFamily="49" charset="0"/>
+              </a:rPr>
+              <a:t>sdk_root</a:t>
+            </a:r>
+            <a:r>
+              <a:rPr lang="pt-BR" sz="2400" dirty="0">
+                <a:latin typeface="Lucida Console" panose="020B0609040504020204" pitchFamily="49" charset="0"/>
+              </a:rPr>
+              <a:t>=%ANDROID_HOME% "build-tools;35.0.0"</a:t>
             </a:r>
           </a:p>
           <a:p>
@@ -9373,18 +9408,18 @@
 </file>
 
 <file path=customXml/item1.xml><?xml version="1.0" encoding="utf-8"?>
+<p:properties xmlns:p="http://schemas.microsoft.com/office/2006/metadata/properties" xmlns:xsi="http://www.w3.org/2001/XMLSchema-instance" xmlns:pc="http://schemas.microsoft.com/office/infopath/2007/PartnerControls">
+  <documentManagement/>
+</p:properties>
+</file>
+
+<file path=customXml/item2.xml><?xml version="1.0" encoding="utf-8"?>
 <?mso-contentType ?>
 <FormTemplates xmlns="http://schemas.microsoft.com/sharepoint/v3/contenttype/forms">
   <Display>DocumentLibraryForm</Display>
   <Edit>DocumentLibraryForm</Edit>
   <New>DocumentLibraryForm</New>
 </FormTemplates>
-</file>
-
-<file path=customXml/item2.xml><?xml version="1.0" encoding="utf-8"?>
-<p:properties xmlns:p="http://schemas.microsoft.com/office/2006/metadata/properties" xmlns:xsi="http://www.w3.org/2001/XMLSchema-instance" xmlns:pc="http://schemas.microsoft.com/office/infopath/2007/PartnerControls">
-  <documentManagement/>
-</p:properties>
 </file>
 
 <file path=customXml/item3.xml><?xml version="1.0" encoding="utf-8"?>
@@ -9597,14 +9632,6 @@
 </file>
 
 <file path=customXml/itemProps1.xml><?xml version="1.0" encoding="utf-8"?>
-<ds:datastoreItem xmlns:ds="http://schemas.openxmlformats.org/officeDocument/2006/customXml" ds:itemID="{B765CE33-6A27-49F2-AEAE-F36B7D281640}">
-  <ds:schemaRefs>
-    <ds:schemaRef ds:uri="http://schemas.microsoft.com/sharepoint/v3/contenttype/forms"/>
-  </ds:schemaRefs>
-</ds:datastoreItem>
-</file>
-
-<file path=customXml/itemProps2.xml><?xml version="1.0" encoding="utf-8"?>
 <ds:datastoreItem xmlns:ds="http://schemas.openxmlformats.org/officeDocument/2006/customXml" ds:itemID="{7E1D7678-9783-45FD-A3E2-65B7B24BAC87}">
   <ds:schemaRefs>
     <ds:schemaRef ds:uri="http://www.w3.org/XML/1998/namespace"/>
@@ -9617,6 +9644,14 @@
     <ds:schemaRef ds:uri="http://schemas.openxmlformats.org/package/2006/metadata/core-properties"/>
     <ds:schemaRef ds:uri="http://purl.org/dc/dcmitype/"/>
     <ds:schemaRef ds:uri="http://purl.org/dc/terms/"/>
+  </ds:schemaRefs>
+</ds:datastoreItem>
+</file>
+
+<file path=customXml/itemProps2.xml><?xml version="1.0" encoding="utf-8"?>
+<ds:datastoreItem xmlns:ds="http://schemas.openxmlformats.org/officeDocument/2006/customXml" ds:itemID="{B765CE33-6A27-49F2-AEAE-F36B7D281640}">
+  <ds:schemaRefs>
+    <ds:schemaRef ds:uri="http://schemas.microsoft.com/sharepoint/v3/contenttype/forms"/>
   </ds:schemaRefs>
 </ds:datastoreItem>
 </file>
